--- a/模拟算法.pptx
+++ b/模拟算法.pptx
@@ -5,7 +5,7 @@
     <p:sldMasterId id="2147483648" r:id="rId1"/>
   </p:sldMasterIdLst>
   <p:notesMasterIdLst>
-    <p:notesMasterId r:id="rId8"/>
+    <p:notesMasterId r:id="rId12"/>
   </p:notesMasterIdLst>
   <p:sldIdLst>
     <p:sldId id="260" r:id="rId2"/>
@@ -14,6 +14,10 @@
     <p:sldId id="313" r:id="rId5"/>
     <p:sldId id="314" r:id="rId6"/>
     <p:sldId id="315" r:id="rId7"/>
+    <p:sldId id="316" r:id="rId8"/>
+    <p:sldId id="317" r:id="rId9"/>
+    <p:sldId id="318" r:id="rId10"/>
+    <p:sldId id="319" r:id="rId11"/>
   </p:sldIdLst>
   <p:sldSz cx="12192000" cy="6858000"/>
   <p:notesSz cx="6858000" cy="9144000"/>
@@ -214,7 +218,7 @@
           <a:p>
             <a:fld id="{EE4EEDDD-2F66-4DB6-9D98-5AE1A2A5120F}" type="datetimeFigureOut">
               <a:rPr lang="zh-CN" altLang="en-US" smtClean="0"/>
-              <a:t>2022/11/9</a:t>
+              <a:t>2023/6/15</a:t>
             </a:fld>
             <a:endParaRPr lang="zh-CN" altLang="en-US"/>
           </a:p>
@@ -698,6 +702,222 @@
 </p:notes>
 </file>
 
+<file path=ppt/notesSlides/notesSlide10.xml><?xml version="1.0" encoding="utf-8"?>
+<p:notes xmlns:a="http://schemas.openxmlformats.org/drawingml/2006/main" xmlns:r="http://schemas.openxmlformats.org/officeDocument/2006/relationships" xmlns:p="http://schemas.openxmlformats.org/presentationml/2006/main">
+  <p:cSld>
+    <p:spTree>
+      <p:nvGrpSpPr>
+        <p:cNvPr id="1" name=""/>
+        <p:cNvGrpSpPr/>
+        <p:nvPr/>
+      </p:nvGrpSpPr>
+      <p:grpSpPr>
+        <a:xfrm>
+          <a:off x="0" y="0"/>
+          <a:ext cx="0" cy="0"/>
+          <a:chOff x="0" y="0"/>
+          <a:chExt cx="0" cy="0"/>
+        </a:xfrm>
+      </p:grpSpPr>
+      <p:sp>
+        <p:nvSpPr>
+          <p:cNvPr id="43010" name="幻灯片图像占位符 1"/>
+          <p:cNvSpPr>
+            <a:spLocks noGrp="1" noRot="1" noChangeAspect="1" noChangeArrowheads="1" noTextEdit="1"/>
+          </p:cNvSpPr>
+          <p:nvPr>
+            <p:ph type="sldImg" idx="4294967295"/>
+          </p:nvPr>
+        </p:nvSpPr>
+        <p:spPr>
+          <a:ln>
+            <a:miter lim="800000"/>
+          </a:ln>
+        </p:spPr>
+      </p:sp>
+      <p:sp>
+        <p:nvSpPr>
+          <p:cNvPr id="43011" name="备注占位符 2"/>
+          <p:cNvSpPr>
+            <a:spLocks noGrp="1" noChangeArrowheads="1"/>
+          </p:cNvSpPr>
+          <p:nvPr>
+            <p:ph type="body" idx="4294967295"/>
+          </p:nvPr>
+        </p:nvSpPr>
+        <p:spPr/>
+        <p:txBody>
+          <a:bodyPr/>
+          <a:lstStyle/>
+          <a:p>
+            <a:pPr eaLnBrk="1" hangingPunct="1"/>
+            <a:endParaRPr lang="zh-CN" altLang="en-US" dirty="0"/>
+          </a:p>
+        </p:txBody>
+      </p:sp>
+      <p:sp>
+        <p:nvSpPr>
+          <p:cNvPr id="43012" name="灯片编号占位符 3"/>
+          <p:cNvSpPr>
+            <a:spLocks noGrp="1" noChangeArrowheads="1"/>
+          </p:cNvSpPr>
+          <p:nvPr>
+            <p:ph type="sldNum" sz="quarter" idx="5"/>
+          </p:nvPr>
+        </p:nvSpPr>
+        <p:spPr bwMode="auto">
+          <a:noFill/>
+          <a:extLst>
+            <a:ext uri="{909E8E84-426E-40DD-AFC4-6F175D3DCCD1}">
+              <a14:hiddenFill xmlns:a14="http://schemas.microsoft.com/office/drawing/2010/main">
+                <a:solidFill>
+                  <a:srgbClr val="FFFFFF"/>
+                </a:solidFill>
+              </a14:hiddenFill>
+            </a:ext>
+            <a:ext uri="{91240B29-F687-4F45-9708-019B960494DF}">
+              <a14:hiddenLine xmlns:a14="http://schemas.microsoft.com/office/drawing/2010/main" w="9525">
+                <a:solidFill>
+                  <a:srgbClr val="000000"/>
+                </a:solidFill>
+                <a:miter lim="800000"/>
+                <a:headEnd/>
+                <a:tailEnd/>
+              </a14:hiddenLine>
+            </a:ext>
+          </a:extLst>
+        </p:spPr>
+        <p:txBody>
+          <a:bodyPr/>
+          <a:lstStyle>
+            <a:lvl1pPr>
+              <a:defRPr>
+                <a:solidFill>
+                  <a:schemeClr val="tx1"/>
+                </a:solidFill>
+                <a:latin typeface="Calibri" pitchFamily="34" charset="0"/>
+                <a:ea typeface="宋体" pitchFamily="2" charset="-122"/>
+              </a:defRPr>
+            </a:lvl1pPr>
+            <a:lvl2pPr marL="742950" indent="-285750">
+              <a:defRPr>
+                <a:solidFill>
+                  <a:schemeClr val="tx1"/>
+                </a:solidFill>
+                <a:latin typeface="Calibri" pitchFamily="34" charset="0"/>
+                <a:ea typeface="宋体" pitchFamily="2" charset="-122"/>
+              </a:defRPr>
+            </a:lvl2pPr>
+            <a:lvl3pPr marL="1143000" indent="-228600">
+              <a:defRPr>
+                <a:solidFill>
+                  <a:schemeClr val="tx1"/>
+                </a:solidFill>
+                <a:latin typeface="Calibri" pitchFamily="34" charset="0"/>
+                <a:ea typeface="宋体" pitchFamily="2" charset="-122"/>
+              </a:defRPr>
+            </a:lvl3pPr>
+            <a:lvl4pPr marL="1600200" indent="-228600">
+              <a:defRPr>
+                <a:solidFill>
+                  <a:schemeClr val="tx1"/>
+                </a:solidFill>
+                <a:latin typeface="Calibri" pitchFamily="34" charset="0"/>
+                <a:ea typeface="宋体" pitchFamily="2" charset="-122"/>
+              </a:defRPr>
+            </a:lvl4pPr>
+            <a:lvl5pPr marL="2057400" indent="-228600">
+              <a:defRPr>
+                <a:solidFill>
+                  <a:schemeClr val="tx1"/>
+                </a:solidFill>
+                <a:latin typeface="Calibri" pitchFamily="34" charset="0"/>
+                <a:ea typeface="宋体" pitchFamily="2" charset="-122"/>
+              </a:defRPr>
+            </a:lvl5pPr>
+            <a:lvl6pPr marL="2514600" indent="-228600" eaLnBrk="0" fontAlgn="base" hangingPunct="0">
+              <a:spcBef>
+                <a:spcPct val="0"/>
+              </a:spcBef>
+              <a:spcAft>
+                <a:spcPct val="0"/>
+              </a:spcAft>
+              <a:defRPr>
+                <a:solidFill>
+                  <a:schemeClr val="tx1"/>
+                </a:solidFill>
+                <a:latin typeface="Calibri" pitchFamily="34" charset="0"/>
+                <a:ea typeface="宋体" pitchFamily="2" charset="-122"/>
+              </a:defRPr>
+            </a:lvl6pPr>
+            <a:lvl7pPr marL="2971800" indent="-228600" eaLnBrk="0" fontAlgn="base" hangingPunct="0">
+              <a:spcBef>
+                <a:spcPct val="0"/>
+              </a:spcBef>
+              <a:spcAft>
+                <a:spcPct val="0"/>
+              </a:spcAft>
+              <a:defRPr>
+                <a:solidFill>
+                  <a:schemeClr val="tx1"/>
+                </a:solidFill>
+                <a:latin typeface="Calibri" pitchFamily="34" charset="0"/>
+                <a:ea typeface="宋体" pitchFamily="2" charset="-122"/>
+              </a:defRPr>
+            </a:lvl7pPr>
+            <a:lvl8pPr marL="3429000" indent="-228600" eaLnBrk="0" fontAlgn="base" hangingPunct="0">
+              <a:spcBef>
+                <a:spcPct val="0"/>
+              </a:spcBef>
+              <a:spcAft>
+                <a:spcPct val="0"/>
+              </a:spcAft>
+              <a:defRPr>
+                <a:solidFill>
+                  <a:schemeClr val="tx1"/>
+                </a:solidFill>
+                <a:latin typeface="Calibri" pitchFamily="34" charset="0"/>
+                <a:ea typeface="宋体" pitchFamily="2" charset="-122"/>
+              </a:defRPr>
+            </a:lvl8pPr>
+            <a:lvl9pPr marL="3886200" indent="-228600" eaLnBrk="0" fontAlgn="base" hangingPunct="0">
+              <a:spcBef>
+                <a:spcPct val="0"/>
+              </a:spcBef>
+              <a:spcAft>
+                <a:spcPct val="0"/>
+              </a:spcAft>
+              <a:defRPr>
+                <a:solidFill>
+                  <a:schemeClr val="tx1"/>
+                </a:solidFill>
+                <a:latin typeface="Calibri" pitchFamily="34" charset="0"/>
+                <a:ea typeface="宋体" pitchFamily="2" charset="-122"/>
+              </a:defRPr>
+            </a:lvl9pPr>
+          </a:lstStyle>
+          <a:p>
+            <a:fld id="{DEAAA30D-4C80-4EBD-BBBC-26C3A6D99627}" type="slidenum">
+              <a:rPr altLang="en-US"/>
+              <a:t>10</a:t>
+            </a:fld>
+            <a:endParaRPr lang="zh-CN" altLang="en-US"/>
+          </a:p>
+        </p:txBody>
+      </p:sp>
+    </p:spTree>
+    <p:extLst>
+      <p:ext uri="{BB962C8B-B14F-4D97-AF65-F5344CB8AC3E}">
+        <p14:creationId xmlns:p14="http://schemas.microsoft.com/office/powerpoint/2010/main" val="2897179081"/>
+      </p:ext>
+    </p:extLst>
+  </p:cSld>
+  <p:clrMapOvr>
+    <a:masterClrMapping/>
+  </p:clrMapOvr>
+</p:notes>
+</file>
+
 <file path=ppt/notesSlides/notesSlide2.xml><?xml version="1.0" encoding="utf-8"?>
 <p:notes xmlns:a="http://schemas.openxmlformats.org/drawingml/2006/main" xmlns:r="http://schemas.openxmlformats.org/officeDocument/2006/relationships" xmlns:p="http://schemas.openxmlformats.org/presentationml/2006/main">
   <p:cSld>
@@ -749,63 +969,7 @@
             <a:pPr eaLnBrk="1" hangingPunct="1"/>
             <a:r>
               <a:rPr lang="zh-CN" altLang="en-US" dirty="0"/>
-              <a:t>从上式我们可以看到，如果能量减小了，那么这种转移就被接受（概率为</a:t>
-            </a:r>
-            <a:r>
-              <a:rPr lang="en-US" altLang="zh-CN" dirty="0"/>
-              <a:t>1</a:t>
-            </a:r>
-            <a:r>
-              <a:rPr lang="zh-CN" altLang="en-US" dirty="0"/>
-              <a:t>），如果能量增大了，就说明系统偏离全局最优值位置更远了，此时算法不会立刻将其抛弃，而是进行概率操作：首先在区间</a:t>
-            </a:r>
-            <a:r>
-              <a:rPr lang="en-US" altLang="zh-CN" dirty="0"/>
-              <a:t>【0,1】</a:t>
-            </a:r>
-            <a:r>
-              <a:rPr lang="zh-CN" altLang="en-US" dirty="0"/>
-              <a:t>产生一个均匀分布的随机数</a:t>
-            </a:r>
-            <a:r>
-              <a:rPr lang="en-US" altLang="zh-CN" dirty="0"/>
-              <a:t>ϵ</a:t>
-            </a:r>
-            <a:r>
-              <a:rPr lang="zh-CN" altLang="en-US" dirty="0"/>
-              <a:t>，如果</a:t>
-            </a:r>
-            <a:r>
-              <a:rPr lang="en-US" altLang="zh-CN" dirty="0"/>
-              <a:t>ϵ &lt;P</a:t>
-            </a:r>
-            <a:r>
-              <a:rPr lang="zh-CN" altLang="en-US" dirty="0"/>
-              <a:t>，则此种转移接受，否则拒绝转移，进入下一步，往复循环。其中</a:t>
-            </a:r>
-            <a:r>
-              <a:rPr lang="en-US" altLang="zh-CN" dirty="0"/>
-              <a:t>P</a:t>
-            </a:r>
-            <a:r>
-              <a:rPr lang="zh-CN" altLang="en-US" dirty="0"/>
-              <a:t>以能量的变化量和</a:t>
-            </a:r>
-            <a:r>
-              <a:rPr lang="en-US" altLang="zh-CN" dirty="0"/>
-              <a:t>T</a:t>
-            </a:r>
-            <a:r>
-              <a:rPr lang="zh-CN" altLang="en-US" dirty="0"/>
-              <a:t>进行决定概率</a:t>
-            </a:r>
-            <a:r>
-              <a:rPr lang="en-US" altLang="zh-CN" dirty="0"/>
-              <a:t>P</a:t>
-            </a:r>
-            <a:r>
-              <a:rPr lang="zh-CN" altLang="en-US" dirty="0"/>
-              <a:t>的大小，所以这个值是动态的。</a:t>
+              <a:t>注意力机制改进</a:t>
             </a:r>
           </a:p>
         </p:txBody>
@@ -1022,6 +1186,20 @@
           <a:lstStyle/>
           <a:p>
             <a:pPr eaLnBrk="1" hangingPunct="1"/>
+            <a:r>
+              <a:rPr lang="zh-CN" altLang="en-US" dirty="0"/>
+              <a:t>黄金分割</a:t>
+            </a:r>
+            <a:r>
+              <a:rPr lang="en-US" altLang="zh-CN" b="0" i="0" dirty="0">
+                <a:solidFill>
+                  <a:srgbClr val="555666"/>
+                </a:solidFill>
+                <a:effectLst/>
+                <a:latin typeface="-apple-system"/>
+              </a:rPr>
+              <a:t>alpha</a:t>
+            </a:r>
             <a:endParaRPr lang="zh-CN" altLang="en-US" dirty="0"/>
           </a:p>
         </p:txBody>
@@ -1828,6 +2006,654 @@
     <p:extLst>
       <p:ext uri="{BB962C8B-B14F-4D97-AF65-F5344CB8AC3E}">
         <p14:creationId xmlns:p14="http://schemas.microsoft.com/office/powerpoint/2010/main" val="2057400558"/>
+      </p:ext>
+    </p:extLst>
+  </p:cSld>
+  <p:clrMapOvr>
+    <a:masterClrMapping/>
+  </p:clrMapOvr>
+</p:notes>
+</file>
+
+<file path=ppt/notesSlides/notesSlide7.xml><?xml version="1.0" encoding="utf-8"?>
+<p:notes xmlns:a="http://schemas.openxmlformats.org/drawingml/2006/main" xmlns:r="http://schemas.openxmlformats.org/officeDocument/2006/relationships" xmlns:p="http://schemas.openxmlformats.org/presentationml/2006/main">
+  <p:cSld>
+    <p:spTree>
+      <p:nvGrpSpPr>
+        <p:cNvPr id="1" name=""/>
+        <p:cNvGrpSpPr/>
+        <p:nvPr/>
+      </p:nvGrpSpPr>
+      <p:grpSpPr>
+        <a:xfrm>
+          <a:off x="0" y="0"/>
+          <a:ext cx="0" cy="0"/>
+          <a:chOff x="0" y="0"/>
+          <a:chExt cx="0" cy="0"/>
+        </a:xfrm>
+      </p:grpSpPr>
+      <p:sp>
+        <p:nvSpPr>
+          <p:cNvPr id="43010" name="幻灯片图像占位符 1"/>
+          <p:cNvSpPr>
+            <a:spLocks noGrp="1" noRot="1" noChangeAspect="1" noChangeArrowheads="1" noTextEdit="1"/>
+          </p:cNvSpPr>
+          <p:nvPr>
+            <p:ph type="sldImg" idx="4294967295"/>
+          </p:nvPr>
+        </p:nvSpPr>
+        <p:spPr>
+          <a:ln>
+            <a:miter lim="800000"/>
+          </a:ln>
+        </p:spPr>
+      </p:sp>
+      <p:sp>
+        <p:nvSpPr>
+          <p:cNvPr id="43011" name="备注占位符 2"/>
+          <p:cNvSpPr>
+            <a:spLocks noGrp="1" noChangeArrowheads="1"/>
+          </p:cNvSpPr>
+          <p:nvPr>
+            <p:ph type="body" idx="4294967295"/>
+          </p:nvPr>
+        </p:nvSpPr>
+        <p:spPr/>
+        <p:txBody>
+          <a:bodyPr/>
+          <a:lstStyle/>
+          <a:p>
+            <a:pPr eaLnBrk="1" hangingPunct="1"/>
+            <a:endParaRPr lang="zh-CN" altLang="en-US" dirty="0"/>
+          </a:p>
+        </p:txBody>
+      </p:sp>
+      <p:sp>
+        <p:nvSpPr>
+          <p:cNvPr id="43012" name="灯片编号占位符 3"/>
+          <p:cNvSpPr>
+            <a:spLocks noGrp="1" noChangeArrowheads="1"/>
+          </p:cNvSpPr>
+          <p:nvPr>
+            <p:ph type="sldNum" sz="quarter" idx="5"/>
+          </p:nvPr>
+        </p:nvSpPr>
+        <p:spPr bwMode="auto">
+          <a:noFill/>
+          <a:extLst>
+            <a:ext uri="{909E8E84-426E-40DD-AFC4-6F175D3DCCD1}">
+              <a14:hiddenFill xmlns:a14="http://schemas.microsoft.com/office/drawing/2010/main">
+                <a:solidFill>
+                  <a:srgbClr val="FFFFFF"/>
+                </a:solidFill>
+              </a14:hiddenFill>
+            </a:ext>
+            <a:ext uri="{91240B29-F687-4F45-9708-019B960494DF}">
+              <a14:hiddenLine xmlns:a14="http://schemas.microsoft.com/office/drawing/2010/main" w="9525">
+                <a:solidFill>
+                  <a:srgbClr val="000000"/>
+                </a:solidFill>
+                <a:miter lim="800000"/>
+                <a:headEnd/>
+                <a:tailEnd/>
+              </a14:hiddenLine>
+            </a:ext>
+          </a:extLst>
+        </p:spPr>
+        <p:txBody>
+          <a:bodyPr/>
+          <a:lstStyle>
+            <a:lvl1pPr>
+              <a:defRPr>
+                <a:solidFill>
+                  <a:schemeClr val="tx1"/>
+                </a:solidFill>
+                <a:latin typeface="Calibri" pitchFamily="34" charset="0"/>
+                <a:ea typeface="宋体" pitchFamily="2" charset="-122"/>
+              </a:defRPr>
+            </a:lvl1pPr>
+            <a:lvl2pPr marL="742950" indent="-285750">
+              <a:defRPr>
+                <a:solidFill>
+                  <a:schemeClr val="tx1"/>
+                </a:solidFill>
+                <a:latin typeface="Calibri" pitchFamily="34" charset="0"/>
+                <a:ea typeface="宋体" pitchFamily="2" charset="-122"/>
+              </a:defRPr>
+            </a:lvl2pPr>
+            <a:lvl3pPr marL="1143000" indent="-228600">
+              <a:defRPr>
+                <a:solidFill>
+                  <a:schemeClr val="tx1"/>
+                </a:solidFill>
+                <a:latin typeface="Calibri" pitchFamily="34" charset="0"/>
+                <a:ea typeface="宋体" pitchFamily="2" charset="-122"/>
+              </a:defRPr>
+            </a:lvl3pPr>
+            <a:lvl4pPr marL="1600200" indent="-228600">
+              <a:defRPr>
+                <a:solidFill>
+                  <a:schemeClr val="tx1"/>
+                </a:solidFill>
+                <a:latin typeface="Calibri" pitchFamily="34" charset="0"/>
+                <a:ea typeface="宋体" pitchFamily="2" charset="-122"/>
+              </a:defRPr>
+            </a:lvl4pPr>
+            <a:lvl5pPr marL="2057400" indent="-228600">
+              <a:defRPr>
+                <a:solidFill>
+                  <a:schemeClr val="tx1"/>
+                </a:solidFill>
+                <a:latin typeface="Calibri" pitchFamily="34" charset="0"/>
+                <a:ea typeface="宋体" pitchFamily="2" charset="-122"/>
+              </a:defRPr>
+            </a:lvl5pPr>
+            <a:lvl6pPr marL="2514600" indent="-228600" eaLnBrk="0" fontAlgn="base" hangingPunct="0">
+              <a:spcBef>
+                <a:spcPct val="0"/>
+              </a:spcBef>
+              <a:spcAft>
+                <a:spcPct val="0"/>
+              </a:spcAft>
+              <a:defRPr>
+                <a:solidFill>
+                  <a:schemeClr val="tx1"/>
+                </a:solidFill>
+                <a:latin typeface="Calibri" pitchFamily="34" charset="0"/>
+                <a:ea typeface="宋体" pitchFamily="2" charset="-122"/>
+              </a:defRPr>
+            </a:lvl6pPr>
+            <a:lvl7pPr marL="2971800" indent="-228600" eaLnBrk="0" fontAlgn="base" hangingPunct="0">
+              <a:spcBef>
+                <a:spcPct val="0"/>
+              </a:spcBef>
+              <a:spcAft>
+                <a:spcPct val="0"/>
+              </a:spcAft>
+              <a:defRPr>
+                <a:solidFill>
+                  <a:schemeClr val="tx1"/>
+                </a:solidFill>
+                <a:latin typeface="Calibri" pitchFamily="34" charset="0"/>
+                <a:ea typeface="宋体" pitchFamily="2" charset="-122"/>
+              </a:defRPr>
+            </a:lvl7pPr>
+            <a:lvl8pPr marL="3429000" indent="-228600" eaLnBrk="0" fontAlgn="base" hangingPunct="0">
+              <a:spcBef>
+                <a:spcPct val="0"/>
+              </a:spcBef>
+              <a:spcAft>
+                <a:spcPct val="0"/>
+              </a:spcAft>
+              <a:defRPr>
+                <a:solidFill>
+                  <a:schemeClr val="tx1"/>
+                </a:solidFill>
+                <a:latin typeface="Calibri" pitchFamily="34" charset="0"/>
+                <a:ea typeface="宋体" pitchFamily="2" charset="-122"/>
+              </a:defRPr>
+            </a:lvl8pPr>
+            <a:lvl9pPr marL="3886200" indent="-228600" eaLnBrk="0" fontAlgn="base" hangingPunct="0">
+              <a:spcBef>
+                <a:spcPct val="0"/>
+              </a:spcBef>
+              <a:spcAft>
+                <a:spcPct val="0"/>
+              </a:spcAft>
+              <a:defRPr>
+                <a:solidFill>
+                  <a:schemeClr val="tx1"/>
+                </a:solidFill>
+                <a:latin typeface="Calibri" pitchFamily="34" charset="0"/>
+                <a:ea typeface="宋体" pitchFamily="2" charset="-122"/>
+              </a:defRPr>
+            </a:lvl9pPr>
+          </a:lstStyle>
+          <a:p>
+            <a:fld id="{DEAAA30D-4C80-4EBD-BBBC-26C3A6D99627}" type="slidenum">
+              <a:rPr altLang="en-US"/>
+              <a:t>7</a:t>
+            </a:fld>
+            <a:endParaRPr lang="zh-CN" altLang="en-US"/>
+          </a:p>
+        </p:txBody>
+      </p:sp>
+    </p:spTree>
+    <p:extLst>
+      <p:ext uri="{BB962C8B-B14F-4D97-AF65-F5344CB8AC3E}">
+        <p14:creationId xmlns:p14="http://schemas.microsoft.com/office/powerpoint/2010/main" val="965346158"/>
+      </p:ext>
+    </p:extLst>
+  </p:cSld>
+  <p:clrMapOvr>
+    <a:masterClrMapping/>
+  </p:clrMapOvr>
+</p:notes>
+</file>
+
+<file path=ppt/notesSlides/notesSlide8.xml><?xml version="1.0" encoding="utf-8"?>
+<p:notes xmlns:a="http://schemas.openxmlformats.org/drawingml/2006/main" xmlns:r="http://schemas.openxmlformats.org/officeDocument/2006/relationships" xmlns:p="http://schemas.openxmlformats.org/presentationml/2006/main">
+  <p:cSld>
+    <p:spTree>
+      <p:nvGrpSpPr>
+        <p:cNvPr id="1" name=""/>
+        <p:cNvGrpSpPr/>
+        <p:nvPr/>
+      </p:nvGrpSpPr>
+      <p:grpSpPr>
+        <a:xfrm>
+          <a:off x="0" y="0"/>
+          <a:ext cx="0" cy="0"/>
+          <a:chOff x="0" y="0"/>
+          <a:chExt cx="0" cy="0"/>
+        </a:xfrm>
+      </p:grpSpPr>
+      <p:sp>
+        <p:nvSpPr>
+          <p:cNvPr id="43010" name="幻灯片图像占位符 1"/>
+          <p:cNvSpPr>
+            <a:spLocks noGrp="1" noRot="1" noChangeAspect="1" noChangeArrowheads="1" noTextEdit="1"/>
+          </p:cNvSpPr>
+          <p:nvPr>
+            <p:ph type="sldImg" idx="4294967295"/>
+          </p:nvPr>
+        </p:nvSpPr>
+        <p:spPr>
+          <a:ln>
+            <a:miter lim="800000"/>
+          </a:ln>
+        </p:spPr>
+      </p:sp>
+      <p:sp>
+        <p:nvSpPr>
+          <p:cNvPr id="43011" name="备注占位符 2"/>
+          <p:cNvSpPr>
+            <a:spLocks noGrp="1" noChangeArrowheads="1"/>
+          </p:cNvSpPr>
+          <p:nvPr>
+            <p:ph type="body" idx="4294967295"/>
+          </p:nvPr>
+        </p:nvSpPr>
+        <p:spPr/>
+        <p:txBody>
+          <a:bodyPr/>
+          <a:lstStyle/>
+          <a:p>
+            <a:pPr eaLnBrk="1" hangingPunct="1"/>
+            <a:endParaRPr lang="zh-CN" altLang="en-US" dirty="0"/>
+          </a:p>
+        </p:txBody>
+      </p:sp>
+      <p:sp>
+        <p:nvSpPr>
+          <p:cNvPr id="43012" name="灯片编号占位符 3"/>
+          <p:cNvSpPr>
+            <a:spLocks noGrp="1" noChangeArrowheads="1"/>
+          </p:cNvSpPr>
+          <p:nvPr>
+            <p:ph type="sldNum" sz="quarter" idx="5"/>
+          </p:nvPr>
+        </p:nvSpPr>
+        <p:spPr bwMode="auto">
+          <a:noFill/>
+          <a:extLst>
+            <a:ext uri="{909E8E84-426E-40DD-AFC4-6F175D3DCCD1}">
+              <a14:hiddenFill xmlns:a14="http://schemas.microsoft.com/office/drawing/2010/main">
+                <a:solidFill>
+                  <a:srgbClr val="FFFFFF"/>
+                </a:solidFill>
+              </a14:hiddenFill>
+            </a:ext>
+            <a:ext uri="{91240B29-F687-4F45-9708-019B960494DF}">
+              <a14:hiddenLine xmlns:a14="http://schemas.microsoft.com/office/drawing/2010/main" w="9525">
+                <a:solidFill>
+                  <a:srgbClr val="000000"/>
+                </a:solidFill>
+                <a:miter lim="800000"/>
+                <a:headEnd/>
+                <a:tailEnd/>
+              </a14:hiddenLine>
+            </a:ext>
+          </a:extLst>
+        </p:spPr>
+        <p:txBody>
+          <a:bodyPr/>
+          <a:lstStyle>
+            <a:lvl1pPr>
+              <a:defRPr>
+                <a:solidFill>
+                  <a:schemeClr val="tx1"/>
+                </a:solidFill>
+                <a:latin typeface="Calibri" pitchFamily="34" charset="0"/>
+                <a:ea typeface="宋体" pitchFamily="2" charset="-122"/>
+              </a:defRPr>
+            </a:lvl1pPr>
+            <a:lvl2pPr marL="742950" indent="-285750">
+              <a:defRPr>
+                <a:solidFill>
+                  <a:schemeClr val="tx1"/>
+                </a:solidFill>
+                <a:latin typeface="Calibri" pitchFamily="34" charset="0"/>
+                <a:ea typeface="宋体" pitchFamily="2" charset="-122"/>
+              </a:defRPr>
+            </a:lvl2pPr>
+            <a:lvl3pPr marL="1143000" indent="-228600">
+              <a:defRPr>
+                <a:solidFill>
+                  <a:schemeClr val="tx1"/>
+                </a:solidFill>
+                <a:latin typeface="Calibri" pitchFamily="34" charset="0"/>
+                <a:ea typeface="宋体" pitchFamily="2" charset="-122"/>
+              </a:defRPr>
+            </a:lvl3pPr>
+            <a:lvl4pPr marL="1600200" indent="-228600">
+              <a:defRPr>
+                <a:solidFill>
+                  <a:schemeClr val="tx1"/>
+                </a:solidFill>
+                <a:latin typeface="Calibri" pitchFamily="34" charset="0"/>
+                <a:ea typeface="宋体" pitchFamily="2" charset="-122"/>
+              </a:defRPr>
+            </a:lvl4pPr>
+            <a:lvl5pPr marL="2057400" indent="-228600">
+              <a:defRPr>
+                <a:solidFill>
+                  <a:schemeClr val="tx1"/>
+                </a:solidFill>
+                <a:latin typeface="Calibri" pitchFamily="34" charset="0"/>
+                <a:ea typeface="宋体" pitchFamily="2" charset="-122"/>
+              </a:defRPr>
+            </a:lvl5pPr>
+            <a:lvl6pPr marL="2514600" indent="-228600" eaLnBrk="0" fontAlgn="base" hangingPunct="0">
+              <a:spcBef>
+                <a:spcPct val="0"/>
+              </a:spcBef>
+              <a:spcAft>
+                <a:spcPct val="0"/>
+              </a:spcAft>
+              <a:defRPr>
+                <a:solidFill>
+                  <a:schemeClr val="tx1"/>
+                </a:solidFill>
+                <a:latin typeface="Calibri" pitchFamily="34" charset="0"/>
+                <a:ea typeface="宋体" pitchFamily="2" charset="-122"/>
+              </a:defRPr>
+            </a:lvl6pPr>
+            <a:lvl7pPr marL="2971800" indent="-228600" eaLnBrk="0" fontAlgn="base" hangingPunct="0">
+              <a:spcBef>
+                <a:spcPct val="0"/>
+              </a:spcBef>
+              <a:spcAft>
+                <a:spcPct val="0"/>
+              </a:spcAft>
+              <a:defRPr>
+                <a:solidFill>
+                  <a:schemeClr val="tx1"/>
+                </a:solidFill>
+                <a:latin typeface="Calibri" pitchFamily="34" charset="0"/>
+                <a:ea typeface="宋体" pitchFamily="2" charset="-122"/>
+              </a:defRPr>
+            </a:lvl7pPr>
+            <a:lvl8pPr marL="3429000" indent="-228600" eaLnBrk="0" fontAlgn="base" hangingPunct="0">
+              <a:spcBef>
+                <a:spcPct val="0"/>
+              </a:spcBef>
+              <a:spcAft>
+                <a:spcPct val="0"/>
+              </a:spcAft>
+              <a:defRPr>
+                <a:solidFill>
+                  <a:schemeClr val="tx1"/>
+                </a:solidFill>
+                <a:latin typeface="Calibri" pitchFamily="34" charset="0"/>
+                <a:ea typeface="宋体" pitchFamily="2" charset="-122"/>
+              </a:defRPr>
+            </a:lvl8pPr>
+            <a:lvl9pPr marL="3886200" indent="-228600" eaLnBrk="0" fontAlgn="base" hangingPunct="0">
+              <a:spcBef>
+                <a:spcPct val="0"/>
+              </a:spcBef>
+              <a:spcAft>
+                <a:spcPct val="0"/>
+              </a:spcAft>
+              <a:defRPr>
+                <a:solidFill>
+                  <a:schemeClr val="tx1"/>
+                </a:solidFill>
+                <a:latin typeface="Calibri" pitchFamily="34" charset="0"/>
+                <a:ea typeface="宋体" pitchFamily="2" charset="-122"/>
+              </a:defRPr>
+            </a:lvl9pPr>
+          </a:lstStyle>
+          <a:p>
+            <a:fld id="{DEAAA30D-4C80-4EBD-BBBC-26C3A6D99627}" type="slidenum">
+              <a:rPr altLang="en-US"/>
+              <a:t>8</a:t>
+            </a:fld>
+            <a:endParaRPr lang="zh-CN" altLang="en-US"/>
+          </a:p>
+        </p:txBody>
+      </p:sp>
+    </p:spTree>
+    <p:extLst>
+      <p:ext uri="{BB962C8B-B14F-4D97-AF65-F5344CB8AC3E}">
+        <p14:creationId xmlns:p14="http://schemas.microsoft.com/office/powerpoint/2010/main" val="2862496730"/>
+      </p:ext>
+    </p:extLst>
+  </p:cSld>
+  <p:clrMapOvr>
+    <a:masterClrMapping/>
+  </p:clrMapOvr>
+</p:notes>
+</file>
+
+<file path=ppt/notesSlides/notesSlide9.xml><?xml version="1.0" encoding="utf-8"?>
+<p:notes xmlns:a="http://schemas.openxmlformats.org/drawingml/2006/main" xmlns:r="http://schemas.openxmlformats.org/officeDocument/2006/relationships" xmlns:p="http://schemas.openxmlformats.org/presentationml/2006/main">
+  <p:cSld>
+    <p:spTree>
+      <p:nvGrpSpPr>
+        <p:cNvPr id="1" name=""/>
+        <p:cNvGrpSpPr/>
+        <p:nvPr/>
+      </p:nvGrpSpPr>
+      <p:grpSpPr>
+        <a:xfrm>
+          <a:off x="0" y="0"/>
+          <a:ext cx="0" cy="0"/>
+          <a:chOff x="0" y="0"/>
+          <a:chExt cx="0" cy="0"/>
+        </a:xfrm>
+      </p:grpSpPr>
+      <p:sp>
+        <p:nvSpPr>
+          <p:cNvPr id="43010" name="幻灯片图像占位符 1"/>
+          <p:cNvSpPr>
+            <a:spLocks noGrp="1" noRot="1" noChangeAspect="1" noChangeArrowheads="1" noTextEdit="1"/>
+          </p:cNvSpPr>
+          <p:nvPr>
+            <p:ph type="sldImg" idx="4294967295"/>
+          </p:nvPr>
+        </p:nvSpPr>
+        <p:spPr>
+          <a:ln>
+            <a:miter lim="800000"/>
+          </a:ln>
+        </p:spPr>
+      </p:sp>
+      <p:sp>
+        <p:nvSpPr>
+          <p:cNvPr id="43011" name="备注占位符 2"/>
+          <p:cNvSpPr>
+            <a:spLocks noGrp="1" noChangeArrowheads="1"/>
+          </p:cNvSpPr>
+          <p:nvPr>
+            <p:ph type="body" idx="4294967295"/>
+          </p:nvPr>
+        </p:nvSpPr>
+        <p:spPr/>
+        <p:txBody>
+          <a:bodyPr/>
+          <a:lstStyle/>
+          <a:p>
+            <a:pPr eaLnBrk="1" hangingPunct="1"/>
+            <a:endParaRPr lang="zh-CN" altLang="en-US" dirty="0"/>
+          </a:p>
+        </p:txBody>
+      </p:sp>
+      <p:sp>
+        <p:nvSpPr>
+          <p:cNvPr id="43012" name="灯片编号占位符 3"/>
+          <p:cNvSpPr>
+            <a:spLocks noGrp="1" noChangeArrowheads="1"/>
+          </p:cNvSpPr>
+          <p:nvPr>
+            <p:ph type="sldNum" sz="quarter" idx="5"/>
+          </p:nvPr>
+        </p:nvSpPr>
+        <p:spPr bwMode="auto">
+          <a:noFill/>
+          <a:extLst>
+            <a:ext uri="{909E8E84-426E-40DD-AFC4-6F175D3DCCD1}">
+              <a14:hiddenFill xmlns:a14="http://schemas.microsoft.com/office/drawing/2010/main">
+                <a:solidFill>
+                  <a:srgbClr val="FFFFFF"/>
+                </a:solidFill>
+              </a14:hiddenFill>
+            </a:ext>
+            <a:ext uri="{91240B29-F687-4F45-9708-019B960494DF}">
+              <a14:hiddenLine xmlns:a14="http://schemas.microsoft.com/office/drawing/2010/main" w="9525">
+                <a:solidFill>
+                  <a:srgbClr val="000000"/>
+                </a:solidFill>
+                <a:miter lim="800000"/>
+                <a:headEnd/>
+                <a:tailEnd/>
+              </a14:hiddenLine>
+            </a:ext>
+          </a:extLst>
+        </p:spPr>
+        <p:txBody>
+          <a:bodyPr/>
+          <a:lstStyle>
+            <a:lvl1pPr>
+              <a:defRPr>
+                <a:solidFill>
+                  <a:schemeClr val="tx1"/>
+                </a:solidFill>
+                <a:latin typeface="Calibri" pitchFamily="34" charset="0"/>
+                <a:ea typeface="宋体" pitchFamily="2" charset="-122"/>
+              </a:defRPr>
+            </a:lvl1pPr>
+            <a:lvl2pPr marL="742950" indent="-285750">
+              <a:defRPr>
+                <a:solidFill>
+                  <a:schemeClr val="tx1"/>
+                </a:solidFill>
+                <a:latin typeface="Calibri" pitchFamily="34" charset="0"/>
+                <a:ea typeface="宋体" pitchFamily="2" charset="-122"/>
+              </a:defRPr>
+            </a:lvl2pPr>
+            <a:lvl3pPr marL="1143000" indent="-228600">
+              <a:defRPr>
+                <a:solidFill>
+                  <a:schemeClr val="tx1"/>
+                </a:solidFill>
+                <a:latin typeface="Calibri" pitchFamily="34" charset="0"/>
+                <a:ea typeface="宋体" pitchFamily="2" charset="-122"/>
+              </a:defRPr>
+            </a:lvl3pPr>
+            <a:lvl4pPr marL="1600200" indent="-228600">
+              <a:defRPr>
+                <a:solidFill>
+                  <a:schemeClr val="tx1"/>
+                </a:solidFill>
+                <a:latin typeface="Calibri" pitchFamily="34" charset="0"/>
+                <a:ea typeface="宋体" pitchFamily="2" charset="-122"/>
+              </a:defRPr>
+            </a:lvl4pPr>
+            <a:lvl5pPr marL="2057400" indent="-228600">
+              <a:defRPr>
+                <a:solidFill>
+                  <a:schemeClr val="tx1"/>
+                </a:solidFill>
+                <a:latin typeface="Calibri" pitchFamily="34" charset="0"/>
+                <a:ea typeface="宋体" pitchFamily="2" charset="-122"/>
+              </a:defRPr>
+            </a:lvl5pPr>
+            <a:lvl6pPr marL="2514600" indent="-228600" eaLnBrk="0" fontAlgn="base" hangingPunct="0">
+              <a:spcBef>
+                <a:spcPct val="0"/>
+              </a:spcBef>
+              <a:spcAft>
+                <a:spcPct val="0"/>
+              </a:spcAft>
+              <a:defRPr>
+                <a:solidFill>
+                  <a:schemeClr val="tx1"/>
+                </a:solidFill>
+                <a:latin typeface="Calibri" pitchFamily="34" charset="0"/>
+                <a:ea typeface="宋体" pitchFamily="2" charset="-122"/>
+              </a:defRPr>
+            </a:lvl6pPr>
+            <a:lvl7pPr marL="2971800" indent="-228600" eaLnBrk="0" fontAlgn="base" hangingPunct="0">
+              <a:spcBef>
+                <a:spcPct val="0"/>
+              </a:spcBef>
+              <a:spcAft>
+                <a:spcPct val="0"/>
+              </a:spcAft>
+              <a:defRPr>
+                <a:solidFill>
+                  <a:schemeClr val="tx1"/>
+                </a:solidFill>
+                <a:latin typeface="Calibri" pitchFamily="34" charset="0"/>
+                <a:ea typeface="宋体" pitchFamily="2" charset="-122"/>
+              </a:defRPr>
+            </a:lvl7pPr>
+            <a:lvl8pPr marL="3429000" indent="-228600" eaLnBrk="0" fontAlgn="base" hangingPunct="0">
+              <a:spcBef>
+                <a:spcPct val="0"/>
+              </a:spcBef>
+              <a:spcAft>
+                <a:spcPct val="0"/>
+              </a:spcAft>
+              <a:defRPr>
+                <a:solidFill>
+                  <a:schemeClr val="tx1"/>
+                </a:solidFill>
+                <a:latin typeface="Calibri" pitchFamily="34" charset="0"/>
+                <a:ea typeface="宋体" pitchFamily="2" charset="-122"/>
+              </a:defRPr>
+            </a:lvl8pPr>
+            <a:lvl9pPr marL="3886200" indent="-228600" eaLnBrk="0" fontAlgn="base" hangingPunct="0">
+              <a:spcBef>
+                <a:spcPct val="0"/>
+              </a:spcBef>
+              <a:spcAft>
+                <a:spcPct val="0"/>
+              </a:spcAft>
+              <a:defRPr>
+                <a:solidFill>
+                  <a:schemeClr val="tx1"/>
+                </a:solidFill>
+                <a:latin typeface="Calibri" pitchFamily="34" charset="0"/>
+                <a:ea typeface="宋体" pitchFamily="2" charset="-122"/>
+              </a:defRPr>
+            </a:lvl9pPr>
+          </a:lstStyle>
+          <a:p>
+            <a:fld id="{DEAAA30D-4C80-4EBD-BBBC-26C3A6D99627}" type="slidenum">
+              <a:rPr altLang="en-US"/>
+              <a:t>9</a:t>
+            </a:fld>
+            <a:endParaRPr lang="zh-CN" altLang="en-US"/>
+          </a:p>
+        </p:txBody>
+      </p:sp>
+    </p:spTree>
+    <p:extLst>
+      <p:ext uri="{BB962C8B-B14F-4D97-AF65-F5344CB8AC3E}">
+        <p14:creationId xmlns:p14="http://schemas.microsoft.com/office/powerpoint/2010/main" val="3255005602"/>
       </p:ext>
     </p:extLst>
   </p:cSld>
@@ -1966,7 +2792,7 @@
           <a:p>
             <a:fld id="{B4510858-7C70-4AD8-8B8C-56F1273CD8A4}" type="datetimeFigureOut">
               <a:rPr lang="zh-CN" altLang="en-US" smtClean="0"/>
-              <a:t>2022/11/9</a:t>
+              <a:t>2023/6/15</a:t>
             </a:fld>
             <a:endParaRPr lang="zh-CN" altLang="en-US"/>
           </a:p>
@@ -2141,7 +2967,7 @@
           <a:p>
             <a:fld id="{B4510858-7C70-4AD8-8B8C-56F1273CD8A4}" type="datetimeFigureOut">
               <a:rPr lang="zh-CN" altLang="en-US" smtClean="0"/>
-              <a:t>2022/11/9</a:t>
+              <a:t>2023/6/15</a:t>
             </a:fld>
             <a:endParaRPr lang="zh-CN" altLang="en-US"/>
           </a:p>
@@ -2326,7 +3152,7 @@
           <a:p>
             <a:fld id="{B4510858-7C70-4AD8-8B8C-56F1273CD8A4}" type="datetimeFigureOut">
               <a:rPr lang="zh-CN" altLang="en-US" smtClean="0"/>
-              <a:t>2022/11/9</a:t>
+              <a:t>2023/6/15</a:t>
             </a:fld>
             <a:endParaRPr lang="zh-CN" altLang="en-US"/>
           </a:p>
@@ -2501,7 +3327,7 @@
           <a:p>
             <a:fld id="{B4510858-7C70-4AD8-8B8C-56F1273CD8A4}" type="datetimeFigureOut">
               <a:rPr lang="zh-CN" altLang="en-US" smtClean="0"/>
-              <a:t>2022/11/9</a:t>
+              <a:t>2023/6/15</a:t>
             </a:fld>
             <a:endParaRPr lang="zh-CN" altLang="en-US"/>
           </a:p>
@@ -2753,7 +3579,7 @@
           <a:p>
             <a:fld id="{B4510858-7C70-4AD8-8B8C-56F1273CD8A4}" type="datetimeFigureOut">
               <a:rPr lang="zh-CN" altLang="en-US" smtClean="0"/>
-              <a:t>2022/11/9</a:t>
+              <a:t>2023/6/15</a:t>
             </a:fld>
             <a:endParaRPr lang="zh-CN" altLang="en-US"/>
           </a:p>
@@ -2989,7 +3815,7 @@
           <a:p>
             <a:fld id="{B4510858-7C70-4AD8-8B8C-56F1273CD8A4}" type="datetimeFigureOut">
               <a:rPr lang="zh-CN" altLang="en-US" smtClean="0"/>
-              <a:t>2022/11/9</a:t>
+              <a:t>2023/6/15</a:t>
             </a:fld>
             <a:endParaRPr lang="zh-CN" altLang="en-US"/>
           </a:p>
@@ -3360,7 +4186,7 @@
           <a:p>
             <a:fld id="{B4510858-7C70-4AD8-8B8C-56F1273CD8A4}" type="datetimeFigureOut">
               <a:rPr lang="zh-CN" altLang="en-US" smtClean="0"/>
-              <a:t>2022/11/9</a:t>
+              <a:t>2023/6/15</a:t>
             </a:fld>
             <a:endParaRPr lang="zh-CN" altLang="en-US"/>
           </a:p>
@@ -3484,7 +4310,7 @@
           <a:p>
             <a:fld id="{B4510858-7C70-4AD8-8B8C-56F1273CD8A4}" type="datetimeFigureOut">
               <a:rPr lang="zh-CN" altLang="en-US" smtClean="0"/>
-              <a:t>2022/11/9</a:t>
+              <a:t>2023/6/15</a:t>
             </a:fld>
             <a:endParaRPr lang="zh-CN" altLang="en-US"/>
           </a:p>
@@ -3586,7 +4412,7 @@
           <a:p>
             <a:fld id="{B4510858-7C70-4AD8-8B8C-56F1273CD8A4}" type="datetimeFigureOut">
               <a:rPr lang="zh-CN" altLang="en-US" smtClean="0"/>
-              <a:t>2022/11/9</a:t>
+              <a:t>2023/6/15</a:t>
             </a:fld>
             <a:endParaRPr lang="zh-CN" altLang="en-US"/>
           </a:p>
@@ -3868,7 +4694,7 @@
           <a:p>
             <a:fld id="{B4510858-7C70-4AD8-8B8C-56F1273CD8A4}" type="datetimeFigureOut">
               <a:rPr lang="zh-CN" altLang="en-US" smtClean="0"/>
-              <a:t>2022/11/9</a:t>
+              <a:t>2023/6/15</a:t>
             </a:fld>
             <a:endParaRPr lang="zh-CN" altLang="en-US"/>
           </a:p>
@@ -4127,7 +4953,7 @@
           <a:p>
             <a:fld id="{B4510858-7C70-4AD8-8B8C-56F1273CD8A4}" type="datetimeFigureOut">
               <a:rPr lang="zh-CN" altLang="en-US" smtClean="0"/>
-              <a:t>2022/11/9</a:t>
+              <a:t>2023/6/15</a:t>
             </a:fld>
             <a:endParaRPr lang="zh-CN" altLang="en-US"/>
           </a:p>
@@ -4345,7 +5171,7 @@
           <a:p>
             <a:fld id="{B4510858-7C70-4AD8-8B8C-56F1273CD8A4}" type="datetimeFigureOut">
               <a:rPr lang="zh-CN" altLang="en-US" smtClean="0"/>
-              <a:t>2022/11/9</a:t>
+              <a:t>2023/6/15</a:t>
             </a:fld>
             <a:endParaRPr lang="zh-CN" altLang="en-US"/>
           </a:p>
@@ -5135,6 +5961,276 @@
 </p:sld>
 </file>
 
+<file path=ppt/slides/slide10.xml><?xml version="1.0" encoding="utf-8"?>
+<p:sld xmlns:a="http://schemas.openxmlformats.org/drawingml/2006/main" xmlns:r="http://schemas.openxmlformats.org/officeDocument/2006/relationships" xmlns:p="http://schemas.openxmlformats.org/presentationml/2006/main">
+  <p:cSld>
+    <p:spTree>
+      <p:nvGrpSpPr>
+        <p:cNvPr id="1" name=""/>
+        <p:cNvGrpSpPr/>
+        <p:nvPr/>
+      </p:nvGrpSpPr>
+      <p:grpSpPr>
+        <a:xfrm>
+          <a:off x="0" y="0"/>
+          <a:ext cx="0" cy="0"/>
+          <a:chOff x="0" y="0"/>
+          <a:chExt cx="0" cy="0"/>
+        </a:xfrm>
+      </p:grpSpPr>
+      <p:sp>
+        <p:nvSpPr>
+          <p:cNvPr id="13" name="TextBox 25"/>
+          <p:cNvSpPr txBox="1">
+            <a:spLocks noChangeArrowheads="1"/>
+          </p:cNvSpPr>
+          <p:nvPr/>
+        </p:nvSpPr>
+        <p:spPr bwMode="auto">
+          <a:xfrm>
+            <a:off x="324188" y="371958"/>
+            <a:ext cx="4493538" cy="461665"/>
+          </a:xfrm>
+          <a:prstGeom prst="rect">
+            <a:avLst/>
+          </a:prstGeom>
+          <a:noFill/>
+          <a:ln>
+            <a:noFill/>
+          </a:ln>
+          <a:extLst>
+            <a:ext uri="{909E8E84-426E-40DD-AFC4-6F175D3DCCD1}">
+              <a14:hiddenFill xmlns:a14="http://schemas.microsoft.com/office/drawing/2010/main">
+                <a:solidFill>
+                  <a:srgbClr val="FFFFFF"/>
+                </a:solidFill>
+              </a14:hiddenFill>
+            </a:ext>
+            <a:ext uri="{91240B29-F687-4F45-9708-019B960494DF}">
+              <a14:hiddenLine xmlns:a14="http://schemas.microsoft.com/office/drawing/2010/main" w="9525">
+                <a:solidFill>
+                  <a:srgbClr val="000000"/>
+                </a:solidFill>
+                <a:miter lim="800000"/>
+                <a:headEnd/>
+                <a:tailEnd/>
+              </a14:hiddenLine>
+            </a:ext>
+          </a:extLst>
+        </p:spPr>
+        <p:txBody>
+          <a:bodyPr wrap="none">
+            <a:spAutoFit/>
+          </a:bodyPr>
+          <a:lstStyle>
+            <a:lvl1pPr>
+              <a:defRPr>
+                <a:solidFill>
+                  <a:schemeClr val="tx1"/>
+                </a:solidFill>
+                <a:latin typeface="Calibri" pitchFamily="34" charset="0"/>
+                <a:ea typeface="宋体" pitchFamily="2" charset="-122"/>
+              </a:defRPr>
+            </a:lvl1pPr>
+            <a:lvl2pPr marL="742950" indent="-285750">
+              <a:defRPr>
+                <a:solidFill>
+                  <a:schemeClr val="tx1"/>
+                </a:solidFill>
+                <a:latin typeface="Calibri" pitchFamily="34" charset="0"/>
+                <a:ea typeface="宋体" pitchFamily="2" charset="-122"/>
+              </a:defRPr>
+            </a:lvl2pPr>
+            <a:lvl3pPr marL="1143000" indent="-228600">
+              <a:defRPr>
+                <a:solidFill>
+                  <a:schemeClr val="tx1"/>
+                </a:solidFill>
+                <a:latin typeface="Calibri" pitchFamily="34" charset="0"/>
+                <a:ea typeface="宋体" pitchFamily="2" charset="-122"/>
+              </a:defRPr>
+            </a:lvl3pPr>
+            <a:lvl4pPr marL="1600200" indent="-228600">
+              <a:defRPr>
+                <a:solidFill>
+                  <a:schemeClr val="tx1"/>
+                </a:solidFill>
+                <a:latin typeface="Calibri" pitchFamily="34" charset="0"/>
+                <a:ea typeface="宋体" pitchFamily="2" charset="-122"/>
+              </a:defRPr>
+            </a:lvl4pPr>
+            <a:lvl5pPr marL="2057400" indent="-228600">
+              <a:defRPr>
+                <a:solidFill>
+                  <a:schemeClr val="tx1"/>
+                </a:solidFill>
+                <a:latin typeface="Calibri" pitchFamily="34" charset="0"/>
+                <a:ea typeface="宋体" pitchFamily="2" charset="-122"/>
+              </a:defRPr>
+            </a:lvl5pPr>
+            <a:lvl6pPr marL="2514600" indent="-228600" eaLnBrk="0" fontAlgn="base" hangingPunct="0">
+              <a:spcBef>
+                <a:spcPct val="0"/>
+              </a:spcBef>
+              <a:spcAft>
+                <a:spcPct val="0"/>
+              </a:spcAft>
+              <a:defRPr>
+                <a:solidFill>
+                  <a:schemeClr val="tx1"/>
+                </a:solidFill>
+                <a:latin typeface="Calibri" pitchFamily="34" charset="0"/>
+                <a:ea typeface="宋体" pitchFamily="2" charset="-122"/>
+              </a:defRPr>
+            </a:lvl6pPr>
+            <a:lvl7pPr marL="2971800" indent="-228600" eaLnBrk="0" fontAlgn="base" hangingPunct="0">
+              <a:spcBef>
+                <a:spcPct val="0"/>
+              </a:spcBef>
+              <a:spcAft>
+                <a:spcPct val="0"/>
+              </a:spcAft>
+              <a:defRPr>
+                <a:solidFill>
+                  <a:schemeClr val="tx1"/>
+                </a:solidFill>
+                <a:latin typeface="Calibri" pitchFamily="34" charset="0"/>
+                <a:ea typeface="宋体" pitchFamily="2" charset="-122"/>
+              </a:defRPr>
+            </a:lvl7pPr>
+            <a:lvl8pPr marL="3429000" indent="-228600" eaLnBrk="0" fontAlgn="base" hangingPunct="0">
+              <a:spcBef>
+                <a:spcPct val="0"/>
+              </a:spcBef>
+              <a:spcAft>
+                <a:spcPct val="0"/>
+              </a:spcAft>
+              <a:defRPr>
+                <a:solidFill>
+                  <a:schemeClr val="tx1"/>
+                </a:solidFill>
+                <a:latin typeface="Calibri" pitchFamily="34" charset="0"/>
+                <a:ea typeface="宋体" pitchFamily="2" charset="-122"/>
+              </a:defRPr>
+            </a:lvl8pPr>
+            <a:lvl9pPr marL="3886200" indent="-228600" eaLnBrk="0" fontAlgn="base" hangingPunct="0">
+              <a:spcBef>
+                <a:spcPct val="0"/>
+              </a:spcBef>
+              <a:spcAft>
+                <a:spcPct val="0"/>
+              </a:spcAft>
+              <a:defRPr>
+                <a:solidFill>
+                  <a:schemeClr val="tx1"/>
+                </a:solidFill>
+                <a:latin typeface="Calibri" pitchFamily="34" charset="0"/>
+                <a:ea typeface="宋体" pitchFamily="2" charset="-122"/>
+              </a:defRPr>
+            </a:lvl9pPr>
+          </a:lstStyle>
+          <a:p>
+            <a:r>
+              <a:rPr lang="zh-CN" altLang="en-US" sz="2400" b="1" dirty="0">
+                <a:solidFill>
+                  <a:schemeClr val="tx1">
+                    <a:lumMod val="75000"/>
+                    <a:lumOff val="25000"/>
+                  </a:schemeClr>
+                </a:solidFill>
+                <a:latin typeface="微软雅黑" panose="020B0503020204020204" pitchFamily="34" charset="-122"/>
+                <a:ea typeface="微软雅黑" panose="020B0503020204020204" pitchFamily="34" charset="-122"/>
+              </a:rPr>
+              <a:t>多尺度量子谐振子优化算法步骤</a:t>
+            </a:r>
+          </a:p>
+        </p:txBody>
+      </p:sp>
+      <p:pic>
+        <p:nvPicPr>
+          <p:cNvPr id="14" name="图片 13"/>
+          <p:cNvPicPr>
+            <a:picLocks noChangeAspect="1"/>
+          </p:cNvPicPr>
+          <p:nvPr/>
+        </p:nvPicPr>
+        <p:blipFill>
+          <a:blip r:embed="rId3" cstate="print">
+            <a:extLst>
+              <a:ext uri="{28A0092B-C50C-407E-A947-70E740481C1C}">
+                <a14:useLocalDpi xmlns:a14="http://schemas.microsoft.com/office/drawing/2010/main" val="0"/>
+              </a:ext>
+            </a:extLst>
+          </a:blip>
+          <a:stretch>
+            <a:fillRect/>
+          </a:stretch>
+        </p:blipFill>
+        <p:spPr>
+          <a:xfrm>
+            <a:off x="10983558" y="46379"/>
+            <a:ext cx="1198982" cy="1193105"/>
+          </a:xfrm>
+          <a:prstGeom prst="rect">
+            <a:avLst/>
+          </a:prstGeom>
+        </p:spPr>
+      </p:pic>
+      <p:pic>
+        <p:nvPicPr>
+          <p:cNvPr id="3" name="图片 2">
+            <a:extLst>
+              <a:ext uri="{FF2B5EF4-FFF2-40B4-BE49-F238E27FC236}">
+                <a16:creationId xmlns:a16="http://schemas.microsoft.com/office/drawing/2014/main" id="{DDADAF0C-9970-11D1-4405-DF643D685EAC}"/>
+              </a:ext>
+            </a:extLst>
+          </p:cNvPr>
+          <p:cNvPicPr>
+            <a:picLocks noChangeAspect="1"/>
+          </p:cNvPicPr>
+          <p:nvPr/>
+        </p:nvPicPr>
+        <p:blipFill>
+          <a:blip r:embed="rId4"/>
+          <a:stretch>
+            <a:fillRect/>
+          </a:stretch>
+        </p:blipFill>
+        <p:spPr>
+          <a:xfrm>
+            <a:off x="3745705" y="833623"/>
+            <a:ext cx="4700589" cy="5657916"/>
+          </a:xfrm>
+          <a:prstGeom prst="rect">
+            <a:avLst/>
+          </a:prstGeom>
+        </p:spPr>
+      </p:pic>
+    </p:spTree>
+    <p:extLst>
+      <p:ext uri="{BB962C8B-B14F-4D97-AF65-F5344CB8AC3E}">
+        <p14:creationId xmlns:p14="http://schemas.microsoft.com/office/powerpoint/2010/main" val="2933706984"/>
+      </p:ext>
+    </p:extLst>
+  </p:cSld>
+  <p:clrMapOvr>
+    <a:masterClrMapping/>
+  </p:clrMapOvr>
+  <mc:AlternateContent xmlns:mc="http://schemas.openxmlformats.org/markup-compatibility/2006" xmlns:p14="http://schemas.microsoft.com/office/powerpoint/2010/main">
+    <mc:Choice Requires="p14">
+      <p:transition spd="slow" p14:dur="2000" advTm="3000">
+        <p:cut/>
+      </p:transition>
+    </mc:Choice>
+    <mc:Fallback xmlns="">
+      <p:transition spd="slow" advTm="3000">
+        <p:cut/>
+      </p:transition>
+    </mc:Fallback>
+  </mc:AlternateContent>
+</p:sld>
+</file>
+
 <file path=ppt/slides/slide2.xml><?xml version="1.0" encoding="utf-8"?>
 <p:sld xmlns:a="http://schemas.openxmlformats.org/drawingml/2006/main" xmlns:r="http://schemas.openxmlformats.org/officeDocument/2006/relationships" xmlns:p="http://schemas.openxmlformats.org/presentationml/2006/main">
   <p:cSld>
@@ -7923,13 +9019,13 @@
   <p:clrMapOvr>
     <a:masterClrMapping/>
   </p:clrMapOvr>
-  <mc:AlternateContent xmlns:mc="http://schemas.openxmlformats.org/markup-compatibility/2006">
-    <mc:Choice xmlns:p14="http://schemas.microsoft.com/office/powerpoint/2010/main" Requires="p14">
+  <mc:AlternateContent xmlns:mc="http://schemas.openxmlformats.org/markup-compatibility/2006" xmlns:p14="http://schemas.microsoft.com/office/powerpoint/2010/main">
+    <mc:Choice Requires="p14">
       <p:transition spd="slow" p14:dur="2000" advTm="3000">
         <p:cut/>
       </p:transition>
     </mc:Choice>
-    <mc:Fallback>
+    <mc:Fallback xmlns="">
       <p:transition spd="slow" advTm="3000">
         <p:cut/>
       </p:transition>
@@ -8700,8 +9796,8 @@
           </a:extLst>
         </p:spPr>
       </p:pic>
-      <mc:AlternateContent xmlns:mc="http://schemas.openxmlformats.org/markup-compatibility/2006">
-        <mc:Choice xmlns:a14="http://schemas.microsoft.com/office/drawing/2010/main" Requires="a14">
+      <mc:AlternateContent xmlns:mc="http://schemas.openxmlformats.org/markup-compatibility/2006" xmlns:a14="http://schemas.microsoft.com/office/drawing/2010/main">
+        <mc:Choice Requires="a14">
           <p:sp>
             <p:nvSpPr>
               <p:cNvPr id="7" name="文本框 6">
@@ -8854,7 +9950,7 @@
             </p:txBody>
           </p:sp>
         </mc:Choice>
-        <mc:Fallback>
+        <mc:Fallback xmlns="">
           <p:sp>
             <p:nvSpPr>
               <p:cNvPr id="7" name="文本框 6">
@@ -8909,13 +10005,13 @@
   <p:clrMapOvr>
     <a:masterClrMapping/>
   </p:clrMapOvr>
-  <mc:AlternateContent xmlns:mc="http://schemas.openxmlformats.org/markup-compatibility/2006">
-    <mc:Choice xmlns:p14="http://schemas.microsoft.com/office/powerpoint/2010/main" Requires="p14">
+  <mc:AlternateContent xmlns:mc="http://schemas.openxmlformats.org/markup-compatibility/2006" xmlns:p14="http://schemas.microsoft.com/office/powerpoint/2010/main">
+    <mc:Choice Requires="p14">
       <p:transition spd="slow" p14:dur="2000" advTm="3000">
         <p:cut/>
       </p:transition>
     </mc:Choice>
-    <mc:Fallback>
+    <mc:Fallback xmlns="">
       <p:transition spd="slow" advTm="3000">
         <p:cut/>
       </p:transition>
@@ -9248,13 +10344,13 @@
   <p:clrMapOvr>
     <a:masterClrMapping/>
   </p:clrMapOvr>
-  <mc:AlternateContent xmlns:mc="http://schemas.openxmlformats.org/markup-compatibility/2006">
-    <mc:Choice xmlns:p14="http://schemas.microsoft.com/office/powerpoint/2010/main" Requires="p14">
+  <mc:AlternateContent xmlns:mc="http://schemas.openxmlformats.org/markup-compatibility/2006" xmlns:p14="http://schemas.microsoft.com/office/powerpoint/2010/main">
+    <mc:Choice Requires="p14">
       <p:transition spd="slow" p14:dur="2000" advTm="3000">
         <p:cut/>
       </p:transition>
     </mc:Choice>
-    <mc:Fallback>
+    <mc:Fallback xmlns="">
       <p:transition spd="slow" advTm="3000">
         <p:cut/>
       </p:transition>
@@ -9727,13 +10823,908 @@
   <p:clrMapOvr>
     <a:masterClrMapping/>
   </p:clrMapOvr>
-  <mc:AlternateContent xmlns:mc="http://schemas.openxmlformats.org/markup-compatibility/2006">
-    <mc:Choice xmlns:p14="http://schemas.microsoft.com/office/powerpoint/2010/main" Requires="p14">
+  <mc:AlternateContent xmlns:mc="http://schemas.openxmlformats.org/markup-compatibility/2006" xmlns:p14="http://schemas.microsoft.com/office/powerpoint/2010/main">
+    <mc:Choice Requires="p14">
       <p:transition spd="slow" p14:dur="2000" advTm="3000">
         <p:cut/>
       </p:transition>
     </mc:Choice>
-    <mc:Fallback>
+    <mc:Fallback xmlns="">
+      <p:transition spd="slow" advTm="3000">
+        <p:cut/>
+      </p:transition>
+    </mc:Fallback>
+  </mc:AlternateContent>
+</p:sld>
+</file>
+
+<file path=ppt/slides/slide7.xml><?xml version="1.0" encoding="utf-8"?>
+<p:sld xmlns:a="http://schemas.openxmlformats.org/drawingml/2006/main" xmlns:r="http://schemas.openxmlformats.org/officeDocument/2006/relationships" xmlns:p="http://schemas.openxmlformats.org/presentationml/2006/main">
+  <p:cSld>
+    <p:spTree>
+      <p:nvGrpSpPr>
+        <p:cNvPr id="1" name=""/>
+        <p:cNvGrpSpPr/>
+        <p:nvPr/>
+      </p:nvGrpSpPr>
+      <p:grpSpPr>
+        <a:xfrm>
+          <a:off x="0" y="0"/>
+          <a:ext cx="0" cy="0"/>
+          <a:chOff x="0" y="0"/>
+          <a:chExt cx="0" cy="0"/>
+        </a:xfrm>
+      </p:grpSpPr>
+      <p:sp>
+        <p:nvSpPr>
+          <p:cNvPr id="13" name="TextBox 25"/>
+          <p:cNvSpPr txBox="1">
+            <a:spLocks noChangeArrowheads="1"/>
+          </p:cNvSpPr>
+          <p:nvPr/>
+        </p:nvSpPr>
+        <p:spPr bwMode="auto">
+          <a:xfrm>
+            <a:off x="324188" y="371958"/>
+            <a:ext cx="4493538" cy="461665"/>
+          </a:xfrm>
+          <a:prstGeom prst="rect">
+            <a:avLst/>
+          </a:prstGeom>
+          <a:noFill/>
+          <a:ln>
+            <a:noFill/>
+          </a:ln>
+          <a:extLst>
+            <a:ext uri="{909E8E84-426E-40DD-AFC4-6F175D3DCCD1}">
+              <a14:hiddenFill xmlns:a14="http://schemas.microsoft.com/office/drawing/2010/main">
+                <a:solidFill>
+                  <a:srgbClr val="FFFFFF"/>
+                </a:solidFill>
+              </a14:hiddenFill>
+            </a:ext>
+            <a:ext uri="{91240B29-F687-4F45-9708-019B960494DF}">
+              <a14:hiddenLine xmlns:a14="http://schemas.microsoft.com/office/drawing/2010/main" w="9525">
+                <a:solidFill>
+                  <a:srgbClr val="000000"/>
+                </a:solidFill>
+                <a:miter lim="800000"/>
+                <a:headEnd/>
+                <a:tailEnd/>
+              </a14:hiddenLine>
+            </a:ext>
+          </a:extLst>
+        </p:spPr>
+        <p:txBody>
+          <a:bodyPr wrap="none">
+            <a:spAutoFit/>
+          </a:bodyPr>
+          <a:lstStyle>
+            <a:lvl1pPr>
+              <a:defRPr>
+                <a:solidFill>
+                  <a:schemeClr val="tx1"/>
+                </a:solidFill>
+                <a:latin typeface="Calibri" pitchFamily="34" charset="0"/>
+                <a:ea typeface="宋体" pitchFamily="2" charset="-122"/>
+              </a:defRPr>
+            </a:lvl1pPr>
+            <a:lvl2pPr marL="742950" indent="-285750">
+              <a:defRPr>
+                <a:solidFill>
+                  <a:schemeClr val="tx1"/>
+                </a:solidFill>
+                <a:latin typeface="Calibri" pitchFamily="34" charset="0"/>
+                <a:ea typeface="宋体" pitchFamily="2" charset="-122"/>
+              </a:defRPr>
+            </a:lvl2pPr>
+            <a:lvl3pPr marL="1143000" indent="-228600">
+              <a:defRPr>
+                <a:solidFill>
+                  <a:schemeClr val="tx1"/>
+                </a:solidFill>
+                <a:latin typeface="Calibri" pitchFamily="34" charset="0"/>
+                <a:ea typeface="宋体" pitchFamily="2" charset="-122"/>
+              </a:defRPr>
+            </a:lvl3pPr>
+            <a:lvl4pPr marL="1600200" indent="-228600">
+              <a:defRPr>
+                <a:solidFill>
+                  <a:schemeClr val="tx1"/>
+                </a:solidFill>
+                <a:latin typeface="Calibri" pitchFamily="34" charset="0"/>
+                <a:ea typeface="宋体" pitchFamily="2" charset="-122"/>
+              </a:defRPr>
+            </a:lvl4pPr>
+            <a:lvl5pPr marL="2057400" indent="-228600">
+              <a:defRPr>
+                <a:solidFill>
+                  <a:schemeClr val="tx1"/>
+                </a:solidFill>
+                <a:latin typeface="Calibri" pitchFamily="34" charset="0"/>
+                <a:ea typeface="宋体" pitchFamily="2" charset="-122"/>
+              </a:defRPr>
+            </a:lvl5pPr>
+            <a:lvl6pPr marL="2514600" indent="-228600" eaLnBrk="0" fontAlgn="base" hangingPunct="0">
+              <a:spcBef>
+                <a:spcPct val="0"/>
+              </a:spcBef>
+              <a:spcAft>
+                <a:spcPct val="0"/>
+              </a:spcAft>
+              <a:defRPr>
+                <a:solidFill>
+                  <a:schemeClr val="tx1"/>
+                </a:solidFill>
+                <a:latin typeface="Calibri" pitchFamily="34" charset="0"/>
+                <a:ea typeface="宋体" pitchFamily="2" charset="-122"/>
+              </a:defRPr>
+            </a:lvl6pPr>
+            <a:lvl7pPr marL="2971800" indent="-228600" eaLnBrk="0" fontAlgn="base" hangingPunct="0">
+              <a:spcBef>
+                <a:spcPct val="0"/>
+              </a:spcBef>
+              <a:spcAft>
+                <a:spcPct val="0"/>
+              </a:spcAft>
+              <a:defRPr>
+                <a:solidFill>
+                  <a:schemeClr val="tx1"/>
+                </a:solidFill>
+                <a:latin typeface="Calibri" pitchFamily="34" charset="0"/>
+                <a:ea typeface="宋体" pitchFamily="2" charset="-122"/>
+              </a:defRPr>
+            </a:lvl7pPr>
+            <a:lvl8pPr marL="3429000" indent="-228600" eaLnBrk="0" fontAlgn="base" hangingPunct="0">
+              <a:spcBef>
+                <a:spcPct val="0"/>
+              </a:spcBef>
+              <a:spcAft>
+                <a:spcPct val="0"/>
+              </a:spcAft>
+              <a:defRPr>
+                <a:solidFill>
+                  <a:schemeClr val="tx1"/>
+                </a:solidFill>
+                <a:latin typeface="Calibri" pitchFamily="34" charset="0"/>
+                <a:ea typeface="宋体" pitchFamily="2" charset="-122"/>
+              </a:defRPr>
+            </a:lvl8pPr>
+            <a:lvl9pPr marL="3886200" indent="-228600" eaLnBrk="0" fontAlgn="base" hangingPunct="0">
+              <a:spcBef>
+                <a:spcPct val="0"/>
+              </a:spcBef>
+              <a:spcAft>
+                <a:spcPct val="0"/>
+              </a:spcAft>
+              <a:defRPr>
+                <a:solidFill>
+                  <a:schemeClr val="tx1"/>
+                </a:solidFill>
+                <a:latin typeface="Calibri" pitchFamily="34" charset="0"/>
+                <a:ea typeface="宋体" pitchFamily="2" charset="-122"/>
+              </a:defRPr>
+            </a:lvl9pPr>
+          </a:lstStyle>
+          <a:p>
+            <a:r>
+              <a:rPr lang="zh-CN" altLang="en-US" sz="2400" b="1" dirty="0">
+                <a:solidFill>
+                  <a:schemeClr val="tx1">
+                    <a:lumMod val="75000"/>
+                    <a:lumOff val="25000"/>
+                  </a:schemeClr>
+                </a:solidFill>
+                <a:latin typeface="微软雅黑" panose="020B0503020204020204" pitchFamily="34" charset="-122"/>
+                <a:ea typeface="微软雅黑" panose="020B0503020204020204" pitchFamily="34" charset="-122"/>
+              </a:rPr>
+              <a:t>多尺度量子谐振子优化算法概述</a:t>
+            </a:r>
+          </a:p>
+        </p:txBody>
+      </p:sp>
+      <p:pic>
+        <p:nvPicPr>
+          <p:cNvPr id="14" name="图片 13"/>
+          <p:cNvPicPr>
+            <a:picLocks noChangeAspect="1"/>
+          </p:cNvPicPr>
+          <p:nvPr/>
+        </p:nvPicPr>
+        <p:blipFill>
+          <a:blip r:embed="rId3" cstate="print">
+            <a:extLst>
+              <a:ext uri="{28A0092B-C50C-407E-A947-70E740481C1C}">
+                <a14:useLocalDpi xmlns:a14="http://schemas.microsoft.com/office/drawing/2010/main" val="0"/>
+              </a:ext>
+            </a:extLst>
+          </a:blip>
+          <a:stretch>
+            <a:fillRect/>
+          </a:stretch>
+        </p:blipFill>
+        <p:spPr>
+          <a:xfrm>
+            <a:off x="10983558" y="46379"/>
+            <a:ext cx="1198982" cy="1193105"/>
+          </a:xfrm>
+          <a:prstGeom prst="rect">
+            <a:avLst/>
+          </a:prstGeom>
+        </p:spPr>
+      </p:pic>
+      <p:sp>
+        <p:nvSpPr>
+          <p:cNvPr id="3" name="文本框 2">
+            <a:extLst>
+              <a:ext uri="{FF2B5EF4-FFF2-40B4-BE49-F238E27FC236}">
+                <a16:creationId xmlns:a16="http://schemas.microsoft.com/office/drawing/2014/main" id="{4F2AA5C7-E880-05E0-8DF9-1F46D4070EBE}"/>
+              </a:ext>
+            </a:extLst>
+          </p:cNvPr>
+          <p:cNvSpPr txBox="1"/>
+          <p:nvPr/>
+        </p:nvSpPr>
+        <p:spPr>
+          <a:xfrm>
+            <a:off x="1228333" y="2461391"/>
+            <a:ext cx="9735333" cy="1200329"/>
+          </a:xfrm>
+          <a:prstGeom prst="rect">
+            <a:avLst/>
+          </a:prstGeom>
+          <a:noFill/>
+        </p:spPr>
+        <p:txBody>
+          <a:bodyPr wrap="square">
+            <a:spAutoFit/>
+          </a:bodyPr>
+          <a:lstStyle/>
+          <a:p>
+            <a:pPr algn="l"/>
+            <a:r>
+              <a:rPr lang="zh-CN" altLang="en-US" b="0" i="0" dirty="0">
+                <a:effectLst/>
+                <a:latin typeface="-apple-system"/>
+              </a:rPr>
+              <a:t>多尺度量子谐振子优化算法</a:t>
+            </a:r>
+            <a:r>
+              <a:rPr lang="en-US" altLang="zh-CN" b="0" i="0" dirty="0">
+                <a:effectLst/>
+                <a:latin typeface="-apple-system"/>
+              </a:rPr>
+              <a:t>(Multi-scale quantum harmonic </a:t>
+            </a:r>
+            <a:r>
+              <a:rPr lang="en-US" altLang="zh-CN" b="0" i="0" dirty="0" err="1">
+                <a:effectLst/>
+                <a:latin typeface="-apple-system"/>
+              </a:rPr>
+              <a:t>oscillatoralgorithm,MQHOA</a:t>
+            </a:r>
+            <a:r>
+              <a:rPr lang="en-US" altLang="zh-CN" b="0" i="0" dirty="0">
+                <a:effectLst/>
+                <a:latin typeface="-apple-system"/>
+              </a:rPr>
+              <a:t>)</a:t>
+            </a:r>
+            <a:r>
+              <a:rPr lang="zh-CN" altLang="en-US" b="0" i="0" dirty="0">
+                <a:effectLst/>
+                <a:latin typeface="-apple-system"/>
+              </a:rPr>
+              <a:t>是以薛定谔方程为基础，应用于解决高维函数优化问题，将优化问题转化为求解粒子在约束条件下的基态波函数，通过模拟量子谐振子从高能态向基态收敛过程</a:t>
+            </a:r>
+            <a:r>
+              <a:rPr lang="en-US" altLang="zh-CN" b="0" i="0" dirty="0">
+                <a:effectLst/>
+                <a:latin typeface="-apple-system"/>
+              </a:rPr>
+              <a:t>,</a:t>
+            </a:r>
+            <a:r>
+              <a:rPr lang="zh-CN" altLang="en-US" b="0" i="0" dirty="0">
+                <a:effectLst/>
+                <a:latin typeface="-apple-system"/>
+              </a:rPr>
+              <a:t>将目标函数以谐振子势进行等效。量子理论的中的波函数对应于优化算法解的概率分布函数，它可以描述粒子出现在某位置的概率。</a:t>
+            </a:r>
+          </a:p>
+        </p:txBody>
+      </p:sp>
+    </p:spTree>
+    <p:extLst>
+      <p:ext uri="{BB962C8B-B14F-4D97-AF65-F5344CB8AC3E}">
+        <p14:creationId xmlns:p14="http://schemas.microsoft.com/office/powerpoint/2010/main" val="625469518"/>
+      </p:ext>
+    </p:extLst>
+  </p:cSld>
+  <p:clrMapOvr>
+    <a:masterClrMapping/>
+  </p:clrMapOvr>
+  <mc:AlternateContent xmlns:mc="http://schemas.openxmlformats.org/markup-compatibility/2006" xmlns:p14="http://schemas.microsoft.com/office/powerpoint/2010/main">
+    <mc:Choice Requires="p14">
+      <p:transition spd="slow" p14:dur="2000" advTm="3000">
+        <p:cut/>
+      </p:transition>
+    </mc:Choice>
+    <mc:Fallback xmlns="">
+      <p:transition spd="slow" advTm="3000">
+        <p:cut/>
+      </p:transition>
+    </mc:Fallback>
+  </mc:AlternateContent>
+</p:sld>
+</file>
+
+<file path=ppt/slides/slide8.xml><?xml version="1.0" encoding="utf-8"?>
+<p:sld xmlns:a="http://schemas.openxmlformats.org/drawingml/2006/main" xmlns:r="http://schemas.openxmlformats.org/officeDocument/2006/relationships" xmlns:p="http://schemas.openxmlformats.org/presentationml/2006/main">
+  <p:cSld>
+    <p:spTree>
+      <p:nvGrpSpPr>
+        <p:cNvPr id="1" name=""/>
+        <p:cNvGrpSpPr/>
+        <p:nvPr/>
+      </p:nvGrpSpPr>
+      <p:grpSpPr>
+        <a:xfrm>
+          <a:off x="0" y="0"/>
+          <a:ext cx="0" cy="0"/>
+          <a:chOff x="0" y="0"/>
+          <a:chExt cx="0" cy="0"/>
+        </a:xfrm>
+      </p:grpSpPr>
+      <p:sp>
+        <p:nvSpPr>
+          <p:cNvPr id="13" name="TextBox 25"/>
+          <p:cNvSpPr txBox="1">
+            <a:spLocks noChangeArrowheads="1"/>
+          </p:cNvSpPr>
+          <p:nvPr/>
+        </p:nvSpPr>
+        <p:spPr bwMode="auto">
+          <a:xfrm>
+            <a:off x="324188" y="371958"/>
+            <a:ext cx="4493538" cy="461665"/>
+          </a:xfrm>
+          <a:prstGeom prst="rect">
+            <a:avLst/>
+          </a:prstGeom>
+          <a:noFill/>
+          <a:ln>
+            <a:noFill/>
+          </a:ln>
+          <a:extLst>
+            <a:ext uri="{909E8E84-426E-40DD-AFC4-6F175D3DCCD1}">
+              <a14:hiddenFill xmlns:a14="http://schemas.microsoft.com/office/drawing/2010/main">
+                <a:solidFill>
+                  <a:srgbClr val="FFFFFF"/>
+                </a:solidFill>
+              </a14:hiddenFill>
+            </a:ext>
+            <a:ext uri="{91240B29-F687-4F45-9708-019B960494DF}">
+              <a14:hiddenLine xmlns:a14="http://schemas.microsoft.com/office/drawing/2010/main" w="9525">
+                <a:solidFill>
+                  <a:srgbClr val="000000"/>
+                </a:solidFill>
+                <a:miter lim="800000"/>
+                <a:headEnd/>
+                <a:tailEnd/>
+              </a14:hiddenLine>
+            </a:ext>
+          </a:extLst>
+        </p:spPr>
+        <p:txBody>
+          <a:bodyPr wrap="none">
+            <a:spAutoFit/>
+          </a:bodyPr>
+          <a:lstStyle>
+            <a:lvl1pPr>
+              <a:defRPr>
+                <a:solidFill>
+                  <a:schemeClr val="tx1"/>
+                </a:solidFill>
+                <a:latin typeface="Calibri" pitchFamily="34" charset="0"/>
+                <a:ea typeface="宋体" pitchFamily="2" charset="-122"/>
+              </a:defRPr>
+            </a:lvl1pPr>
+            <a:lvl2pPr marL="742950" indent="-285750">
+              <a:defRPr>
+                <a:solidFill>
+                  <a:schemeClr val="tx1"/>
+                </a:solidFill>
+                <a:latin typeface="Calibri" pitchFamily="34" charset="0"/>
+                <a:ea typeface="宋体" pitchFamily="2" charset="-122"/>
+              </a:defRPr>
+            </a:lvl2pPr>
+            <a:lvl3pPr marL="1143000" indent="-228600">
+              <a:defRPr>
+                <a:solidFill>
+                  <a:schemeClr val="tx1"/>
+                </a:solidFill>
+                <a:latin typeface="Calibri" pitchFamily="34" charset="0"/>
+                <a:ea typeface="宋体" pitchFamily="2" charset="-122"/>
+              </a:defRPr>
+            </a:lvl3pPr>
+            <a:lvl4pPr marL="1600200" indent="-228600">
+              <a:defRPr>
+                <a:solidFill>
+                  <a:schemeClr val="tx1"/>
+                </a:solidFill>
+                <a:latin typeface="Calibri" pitchFamily="34" charset="0"/>
+                <a:ea typeface="宋体" pitchFamily="2" charset="-122"/>
+              </a:defRPr>
+            </a:lvl4pPr>
+            <a:lvl5pPr marL="2057400" indent="-228600">
+              <a:defRPr>
+                <a:solidFill>
+                  <a:schemeClr val="tx1"/>
+                </a:solidFill>
+                <a:latin typeface="Calibri" pitchFamily="34" charset="0"/>
+                <a:ea typeface="宋体" pitchFamily="2" charset="-122"/>
+              </a:defRPr>
+            </a:lvl5pPr>
+            <a:lvl6pPr marL="2514600" indent="-228600" eaLnBrk="0" fontAlgn="base" hangingPunct="0">
+              <a:spcBef>
+                <a:spcPct val="0"/>
+              </a:spcBef>
+              <a:spcAft>
+                <a:spcPct val="0"/>
+              </a:spcAft>
+              <a:defRPr>
+                <a:solidFill>
+                  <a:schemeClr val="tx1"/>
+                </a:solidFill>
+                <a:latin typeface="Calibri" pitchFamily="34" charset="0"/>
+                <a:ea typeface="宋体" pitchFamily="2" charset="-122"/>
+              </a:defRPr>
+            </a:lvl6pPr>
+            <a:lvl7pPr marL="2971800" indent="-228600" eaLnBrk="0" fontAlgn="base" hangingPunct="0">
+              <a:spcBef>
+                <a:spcPct val="0"/>
+              </a:spcBef>
+              <a:spcAft>
+                <a:spcPct val="0"/>
+              </a:spcAft>
+              <a:defRPr>
+                <a:solidFill>
+                  <a:schemeClr val="tx1"/>
+                </a:solidFill>
+                <a:latin typeface="Calibri" pitchFamily="34" charset="0"/>
+                <a:ea typeface="宋体" pitchFamily="2" charset="-122"/>
+              </a:defRPr>
+            </a:lvl7pPr>
+            <a:lvl8pPr marL="3429000" indent="-228600" eaLnBrk="0" fontAlgn="base" hangingPunct="0">
+              <a:spcBef>
+                <a:spcPct val="0"/>
+              </a:spcBef>
+              <a:spcAft>
+                <a:spcPct val="0"/>
+              </a:spcAft>
+              <a:defRPr>
+                <a:solidFill>
+                  <a:schemeClr val="tx1"/>
+                </a:solidFill>
+                <a:latin typeface="Calibri" pitchFamily="34" charset="0"/>
+                <a:ea typeface="宋体" pitchFamily="2" charset="-122"/>
+              </a:defRPr>
+            </a:lvl8pPr>
+            <a:lvl9pPr marL="3886200" indent="-228600" eaLnBrk="0" fontAlgn="base" hangingPunct="0">
+              <a:spcBef>
+                <a:spcPct val="0"/>
+              </a:spcBef>
+              <a:spcAft>
+                <a:spcPct val="0"/>
+              </a:spcAft>
+              <a:defRPr>
+                <a:solidFill>
+                  <a:schemeClr val="tx1"/>
+                </a:solidFill>
+                <a:latin typeface="Calibri" pitchFamily="34" charset="0"/>
+                <a:ea typeface="宋体" pitchFamily="2" charset="-122"/>
+              </a:defRPr>
+            </a:lvl9pPr>
+          </a:lstStyle>
+          <a:p>
+            <a:r>
+              <a:rPr lang="zh-CN" altLang="en-US" sz="2400" b="1" dirty="0">
+                <a:solidFill>
+                  <a:schemeClr val="tx1">
+                    <a:lumMod val="75000"/>
+                    <a:lumOff val="25000"/>
+                  </a:schemeClr>
+                </a:solidFill>
+                <a:latin typeface="微软雅黑" panose="020B0503020204020204" pitchFamily="34" charset="-122"/>
+                <a:ea typeface="微软雅黑" panose="020B0503020204020204" pitchFamily="34" charset="-122"/>
+              </a:rPr>
+              <a:t>多尺度量子谐振子优化算法原理</a:t>
+            </a:r>
+          </a:p>
+        </p:txBody>
+      </p:sp>
+      <p:pic>
+        <p:nvPicPr>
+          <p:cNvPr id="14" name="图片 13"/>
+          <p:cNvPicPr>
+            <a:picLocks noChangeAspect="1"/>
+          </p:cNvPicPr>
+          <p:nvPr/>
+        </p:nvPicPr>
+        <p:blipFill>
+          <a:blip r:embed="rId3" cstate="print">
+            <a:extLst>
+              <a:ext uri="{28A0092B-C50C-407E-A947-70E740481C1C}">
+                <a14:useLocalDpi xmlns:a14="http://schemas.microsoft.com/office/drawing/2010/main" val="0"/>
+              </a:ext>
+            </a:extLst>
+          </a:blip>
+          <a:stretch>
+            <a:fillRect/>
+          </a:stretch>
+        </p:blipFill>
+        <p:spPr>
+          <a:xfrm>
+            <a:off x="10983558" y="46379"/>
+            <a:ext cx="1198982" cy="1193105"/>
+          </a:xfrm>
+          <a:prstGeom prst="rect">
+            <a:avLst/>
+          </a:prstGeom>
+        </p:spPr>
+      </p:pic>
+      <p:pic>
+        <p:nvPicPr>
+          <p:cNvPr id="4" name="图片 3">
+            <a:extLst>
+              <a:ext uri="{FF2B5EF4-FFF2-40B4-BE49-F238E27FC236}">
+                <a16:creationId xmlns:a16="http://schemas.microsoft.com/office/drawing/2014/main" id="{65BFCF6E-97BA-9ACE-168B-D6EADC4F4542}"/>
+              </a:ext>
+            </a:extLst>
+          </p:cNvPr>
+          <p:cNvPicPr>
+            <a:picLocks noChangeAspect="1"/>
+          </p:cNvPicPr>
+          <p:nvPr/>
+        </p:nvPicPr>
+        <p:blipFill>
+          <a:blip r:embed="rId4"/>
+          <a:stretch>
+            <a:fillRect/>
+          </a:stretch>
+        </p:blipFill>
+        <p:spPr>
+          <a:xfrm>
+            <a:off x="1985962" y="947737"/>
+            <a:ext cx="8220075" cy="4962525"/>
+          </a:xfrm>
+          <a:prstGeom prst="rect">
+            <a:avLst/>
+          </a:prstGeom>
+        </p:spPr>
+      </p:pic>
+    </p:spTree>
+    <p:extLst>
+      <p:ext uri="{BB962C8B-B14F-4D97-AF65-F5344CB8AC3E}">
+        <p14:creationId xmlns:p14="http://schemas.microsoft.com/office/powerpoint/2010/main" val="560032713"/>
+      </p:ext>
+    </p:extLst>
+  </p:cSld>
+  <p:clrMapOvr>
+    <a:masterClrMapping/>
+  </p:clrMapOvr>
+  <mc:AlternateContent xmlns:mc="http://schemas.openxmlformats.org/markup-compatibility/2006" xmlns:p14="http://schemas.microsoft.com/office/powerpoint/2010/main">
+    <mc:Choice Requires="p14">
+      <p:transition spd="slow" p14:dur="2000" advTm="3000">
+        <p:cut/>
+      </p:transition>
+    </mc:Choice>
+    <mc:Fallback xmlns="">
+      <p:transition spd="slow" advTm="3000">
+        <p:cut/>
+      </p:transition>
+    </mc:Fallback>
+  </mc:AlternateContent>
+</p:sld>
+</file>
+
+<file path=ppt/slides/slide9.xml><?xml version="1.0" encoding="utf-8"?>
+<p:sld xmlns:a="http://schemas.openxmlformats.org/drawingml/2006/main" xmlns:r="http://schemas.openxmlformats.org/officeDocument/2006/relationships" xmlns:p="http://schemas.openxmlformats.org/presentationml/2006/main">
+  <p:cSld>
+    <p:spTree>
+      <p:nvGrpSpPr>
+        <p:cNvPr id="1" name=""/>
+        <p:cNvGrpSpPr/>
+        <p:nvPr/>
+      </p:nvGrpSpPr>
+      <p:grpSpPr>
+        <a:xfrm>
+          <a:off x="0" y="0"/>
+          <a:ext cx="0" cy="0"/>
+          <a:chOff x="0" y="0"/>
+          <a:chExt cx="0" cy="0"/>
+        </a:xfrm>
+      </p:grpSpPr>
+      <p:sp>
+        <p:nvSpPr>
+          <p:cNvPr id="13" name="TextBox 25"/>
+          <p:cNvSpPr txBox="1">
+            <a:spLocks noChangeArrowheads="1"/>
+          </p:cNvSpPr>
+          <p:nvPr/>
+        </p:nvSpPr>
+        <p:spPr bwMode="auto">
+          <a:xfrm>
+            <a:off x="324188" y="371958"/>
+            <a:ext cx="4493538" cy="461665"/>
+          </a:xfrm>
+          <a:prstGeom prst="rect">
+            <a:avLst/>
+          </a:prstGeom>
+          <a:noFill/>
+          <a:ln>
+            <a:noFill/>
+          </a:ln>
+          <a:extLst>
+            <a:ext uri="{909E8E84-426E-40DD-AFC4-6F175D3DCCD1}">
+              <a14:hiddenFill xmlns:a14="http://schemas.microsoft.com/office/drawing/2010/main">
+                <a:solidFill>
+                  <a:srgbClr val="FFFFFF"/>
+                </a:solidFill>
+              </a14:hiddenFill>
+            </a:ext>
+            <a:ext uri="{91240B29-F687-4F45-9708-019B960494DF}">
+              <a14:hiddenLine xmlns:a14="http://schemas.microsoft.com/office/drawing/2010/main" w="9525">
+                <a:solidFill>
+                  <a:srgbClr val="000000"/>
+                </a:solidFill>
+                <a:miter lim="800000"/>
+                <a:headEnd/>
+                <a:tailEnd/>
+              </a14:hiddenLine>
+            </a:ext>
+          </a:extLst>
+        </p:spPr>
+        <p:txBody>
+          <a:bodyPr wrap="none">
+            <a:spAutoFit/>
+          </a:bodyPr>
+          <a:lstStyle>
+            <a:lvl1pPr>
+              <a:defRPr>
+                <a:solidFill>
+                  <a:schemeClr val="tx1"/>
+                </a:solidFill>
+                <a:latin typeface="Calibri" pitchFamily="34" charset="0"/>
+                <a:ea typeface="宋体" pitchFamily="2" charset="-122"/>
+              </a:defRPr>
+            </a:lvl1pPr>
+            <a:lvl2pPr marL="742950" indent="-285750">
+              <a:defRPr>
+                <a:solidFill>
+                  <a:schemeClr val="tx1"/>
+                </a:solidFill>
+                <a:latin typeface="Calibri" pitchFamily="34" charset="0"/>
+                <a:ea typeface="宋体" pitchFamily="2" charset="-122"/>
+              </a:defRPr>
+            </a:lvl2pPr>
+            <a:lvl3pPr marL="1143000" indent="-228600">
+              <a:defRPr>
+                <a:solidFill>
+                  <a:schemeClr val="tx1"/>
+                </a:solidFill>
+                <a:latin typeface="Calibri" pitchFamily="34" charset="0"/>
+                <a:ea typeface="宋体" pitchFamily="2" charset="-122"/>
+              </a:defRPr>
+            </a:lvl3pPr>
+            <a:lvl4pPr marL="1600200" indent="-228600">
+              <a:defRPr>
+                <a:solidFill>
+                  <a:schemeClr val="tx1"/>
+                </a:solidFill>
+                <a:latin typeface="Calibri" pitchFamily="34" charset="0"/>
+                <a:ea typeface="宋体" pitchFamily="2" charset="-122"/>
+              </a:defRPr>
+            </a:lvl4pPr>
+            <a:lvl5pPr marL="2057400" indent="-228600">
+              <a:defRPr>
+                <a:solidFill>
+                  <a:schemeClr val="tx1"/>
+                </a:solidFill>
+                <a:latin typeface="Calibri" pitchFamily="34" charset="0"/>
+                <a:ea typeface="宋体" pitchFamily="2" charset="-122"/>
+              </a:defRPr>
+            </a:lvl5pPr>
+            <a:lvl6pPr marL="2514600" indent="-228600" eaLnBrk="0" fontAlgn="base" hangingPunct="0">
+              <a:spcBef>
+                <a:spcPct val="0"/>
+              </a:spcBef>
+              <a:spcAft>
+                <a:spcPct val="0"/>
+              </a:spcAft>
+              <a:defRPr>
+                <a:solidFill>
+                  <a:schemeClr val="tx1"/>
+                </a:solidFill>
+                <a:latin typeface="Calibri" pitchFamily="34" charset="0"/>
+                <a:ea typeface="宋体" pitchFamily="2" charset="-122"/>
+              </a:defRPr>
+            </a:lvl6pPr>
+            <a:lvl7pPr marL="2971800" indent="-228600" eaLnBrk="0" fontAlgn="base" hangingPunct="0">
+              <a:spcBef>
+                <a:spcPct val="0"/>
+              </a:spcBef>
+              <a:spcAft>
+                <a:spcPct val="0"/>
+              </a:spcAft>
+              <a:defRPr>
+                <a:solidFill>
+                  <a:schemeClr val="tx1"/>
+                </a:solidFill>
+                <a:latin typeface="Calibri" pitchFamily="34" charset="0"/>
+                <a:ea typeface="宋体" pitchFamily="2" charset="-122"/>
+              </a:defRPr>
+            </a:lvl7pPr>
+            <a:lvl8pPr marL="3429000" indent="-228600" eaLnBrk="0" fontAlgn="base" hangingPunct="0">
+              <a:spcBef>
+                <a:spcPct val="0"/>
+              </a:spcBef>
+              <a:spcAft>
+                <a:spcPct val="0"/>
+              </a:spcAft>
+              <a:defRPr>
+                <a:solidFill>
+                  <a:schemeClr val="tx1"/>
+                </a:solidFill>
+                <a:latin typeface="Calibri" pitchFamily="34" charset="0"/>
+                <a:ea typeface="宋体" pitchFamily="2" charset="-122"/>
+              </a:defRPr>
+            </a:lvl8pPr>
+            <a:lvl9pPr marL="3886200" indent="-228600" eaLnBrk="0" fontAlgn="base" hangingPunct="0">
+              <a:spcBef>
+                <a:spcPct val="0"/>
+              </a:spcBef>
+              <a:spcAft>
+                <a:spcPct val="0"/>
+              </a:spcAft>
+              <a:defRPr>
+                <a:solidFill>
+                  <a:schemeClr val="tx1"/>
+                </a:solidFill>
+                <a:latin typeface="Calibri" pitchFamily="34" charset="0"/>
+                <a:ea typeface="宋体" pitchFamily="2" charset="-122"/>
+              </a:defRPr>
+            </a:lvl9pPr>
+          </a:lstStyle>
+          <a:p>
+            <a:r>
+              <a:rPr lang="zh-CN" altLang="en-US" sz="2400" b="1" dirty="0">
+                <a:solidFill>
+                  <a:schemeClr val="tx1">
+                    <a:lumMod val="75000"/>
+                    <a:lumOff val="25000"/>
+                  </a:schemeClr>
+                </a:solidFill>
+                <a:latin typeface="微软雅黑" panose="020B0503020204020204" pitchFamily="34" charset="-122"/>
+                <a:ea typeface="微软雅黑" panose="020B0503020204020204" pitchFamily="34" charset="-122"/>
+              </a:rPr>
+              <a:t>多尺度量子谐振子优化算法原理</a:t>
+            </a:r>
+          </a:p>
+        </p:txBody>
+      </p:sp>
+      <p:pic>
+        <p:nvPicPr>
+          <p:cNvPr id="14" name="图片 13"/>
+          <p:cNvPicPr>
+            <a:picLocks noChangeAspect="1"/>
+          </p:cNvPicPr>
+          <p:nvPr/>
+        </p:nvPicPr>
+        <p:blipFill>
+          <a:blip r:embed="rId3" cstate="print">
+            <a:extLst>
+              <a:ext uri="{28A0092B-C50C-407E-A947-70E740481C1C}">
+                <a14:useLocalDpi xmlns:a14="http://schemas.microsoft.com/office/drawing/2010/main" val="0"/>
+              </a:ext>
+            </a:extLst>
+          </a:blip>
+          <a:stretch>
+            <a:fillRect/>
+          </a:stretch>
+        </p:blipFill>
+        <p:spPr>
+          <a:xfrm>
+            <a:off x="10983558" y="46379"/>
+            <a:ext cx="1198982" cy="1193105"/>
+          </a:xfrm>
+          <a:prstGeom prst="rect">
+            <a:avLst/>
+          </a:prstGeom>
+        </p:spPr>
+      </p:pic>
+      <p:pic>
+        <p:nvPicPr>
+          <p:cNvPr id="5" name="图片 4">
+            <a:extLst>
+              <a:ext uri="{FF2B5EF4-FFF2-40B4-BE49-F238E27FC236}">
+                <a16:creationId xmlns:a16="http://schemas.microsoft.com/office/drawing/2014/main" id="{8496E8EB-07DA-84C4-1334-E79FA44D4E03}"/>
+              </a:ext>
+            </a:extLst>
+          </p:cNvPr>
+          <p:cNvPicPr>
+            <a:picLocks noChangeAspect="1"/>
+          </p:cNvPicPr>
+          <p:nvPr/>
+        </p:nvPicPr>
+        <p:blipFill rotWithShape="1">
+          <a:blip r:embed="rId4"/>
+          <a:srcRect r="-164" b="1049"/>
+          <a:stretch/>
+        </p:blipFill>
+        <p:spPr>
+          <a:xfrm>
+            <a:off x="2071687" y="1276350"/>
+            <a:ext cx="8061869" cy="4260154"/>
+          </a:xfrm>
+          <a:prstGeom prst="rect">
+            <a:avLst/>
+          </a:prstGeom>
+        </p:spPr>
+      </p:pic>
+      <p:sp>
+        <p:nvSpPr>
+          <p:cNvPr id="7" name="文本框 6">
+            <a:extLst>
+              <a:ext uri="{FF2B5EF4-FFF2-40B4-BE49-F238E27FC236}">
+                <a16:creationId xmlns:a16="http://schemas.microsoft.com/office/drawing/2014/main" id="{358DDE15-CE9D-BA4D-1DBE-863C9F642B25}"/>
+              </a:ext>
+            </a:extLst>
+          </p:cNvPr>
+          <p:cNvSpPr txBox="1"/>
+          <p:nvPr/>
+        </p:nvSpPr>
+        <p:spPr>
+          <a:xfrm>
+            <a:off x="1781827" y="5890457"/>
+            <a:ext cx="6093912" cy="369332"/>
+          </a:xfrm>
+          <a:prstGeom prst="rect">
+            <a:avLst/>
+          </a:prstGeom>
+          <a:noFill/>
+        </p:spPr>
+        <p:txBody>
+          <a:bodyPr wrap="square">
+            <a:spAutoFit/>
+          </a:bodyPr>
+          <a:lstStyle/>
+          <a:p>
+            <a:r>
+              <a:rPr lang="zh-CN" altLang="en-US" dirty="0"/>
+              <a:t>由上式可知，目标函数的最优解的概率分布为高斯分布。</a:t>
+            </a:r>
+          </a:p>
+        </p:txBody>
+      </p:sp>
+    </p:spTree>
+    <p:extLst>
+      <p:ext uri="{BB962C8B-B14F-4D97-AF65-F5344CB8AC3E}">
+        <p14:creationId xmlns:p14="http://schemas.microsoft.com/office/powerpoint/2010/main" val="3020154736"/>
+      </p:ext>
+    </p:extLst>
+  </p:cSld>
+  <p:clrMapOvr>
+    <a:masterClrMapping/>
+  </p:clrMapOvr>
+  <mc:AlternateContent xmlns:mc="http://schemas.openxmlformats.org/markup-compatibility/2006" xmlns:p14="http://schemas.microsoft.com/office/powerpoint/2010/main">
+    <mc:Choice Requires="p14">
+      <p:transition spd="slow" p14:dur="2000" advTm="3000">
+        <p:cut/>
+      </p:transition>
+    </mc:Choice>
+    <mc:Fallback xmlns="">
       <p:transition spd="slow" advTm="3000">
         <p:cut/>
       </p:transition>
